--- a/tutorial-08-app_design.pptx
+++ b/tutorial-08-app_design.pptx
@@ -213,7 +213,7 @@
           <a:p>
             <a:fld id="{775CE290-E0F5-444C-B849-A8F17CD4104C}" type="datetimeFigureOut">
               <a:rPr lang="en-US" smtClean="0"/>
-              <a:t>9/8/14</a:t>
+              <a:t>9/9/14</a:t>
             </a:fld>
             <a:endParaRPr lang="en-US"/>
           </a:p>
@@ -379,7 +379,7 @@
           <a:p>
             <a:fld id="{AD53A24C-4135-094C-957B-35852E7EDFA4}" type="datetimeFigureOut">
               <a:rPr lang="en-US" smtClean="0"/>
-              <a:t>9/8/14</a:t>
+              <a:t>9/9/14</a:t>
             </a:fld>
             <a:endParaRPr lang="en-US"/>
           </a:p>
@@ -840,7 +840,7 @@
           <a:p>
             <a:fld id="{B594EA25-E4F4-3746-A0BA-A11E27330E0F}" type="datetime2">
               <a:rPr lang="en-US" smtClean="0"/>
-              <a:t>Monday, September 8, 14</a:t>
+              <a:t>Tuesday, September 9, 14</a:t>
             </a:fld>
             <a:endParaRPr lang="en-US"/>
           </a:p>
@@ -1143,7 +1143,7 @@
                 <a:latin typeface="Times New Roman"/>
                 <a:cs typeface="Times New Roman"/>
               </a:rPr>
-              <a:t>September 8, 2014</a:t>
+              <a:t>September 9, 2014</a:t>
             </a:fld>
             <a:endParaRPr lang="en-US" dirty="0">
               <a:latin typeface="Times New Roman"/>
@@ -1430,7 +1430,7 @@
           <a:p>
             <a:fld id="{EA699BF9-66CB-F244-8E74-7B1BE1C77046}" type="datetime2">
               <a:rPr lang="en-US" smtClean="0"/>
-              <a:t>Monday, September 8, 14</a:t>
+              <a:t>Tuesday, September 9, 14</a:t>
             </a:fld>
             <a:endParaRPr lang="en-US"/>
           </a:p>
@@ -1741,7 +1741,7 @@
           <a:p>
             <a:fld id="{D300BE84-9843-8B4F-B3C8-647B06AC46C9}" type="datetime2">
               <a:rPr lang="en-US" smtClean="0"/>
-              <a:t>Monday, September 8, 14</a:t>
+              <a:t>Tuesday, September 9, 14</a:t>
             </a:fld>
             <a:endParaRPr lang="en-US"/>
           </a:p>
@@ -1912,7 +1912,7 @@
           <a:p>
             <a:fld id="{C460AE39-2092-A945-8296-F25085B9A0F1}" type="datetime2">
               <a:rPr lang="en-US" smtClean="0"/>
-              <a:t>Monday, September 8, 14</a:t>
+              <a:t>Tuesday, September 9, 14</a:t>
             </a:fld>
             <a:endParaRPr lang="en-US"/>
           </a:p>
@@ -2093,7 +2093,7 @@
           <a:p>
             <a:fld id="{63BC7E9D-3218-5E49-A867-E087AB2F4618}" type="datetime2">
               <a:rPr lang="en-US" smtClean="0"/>
-              <a:t>Monday, September 8, 14</a:t>
+              <a:t>Tuesday, September 9, 14</a:t>
             </a:fld>
             <a:endParaRPr lang="en-US"/>
           </a:p>
@@ -2264,7 +2264,7 @@
           <a:p>
             <a:fld id="{34621E95-60A9-FF44-9869-513D9D7A859F}" type="datetime2">
               <a:rPr lang="en-US" smtClean="0"/>
-              <a:t>Monday, September 8, 14</a:t>
+              <a:t>Tuesday, September 9, 14</a:t>
             </a:fld>
             <a:endParaRPr lang="en-US"/>
           </a:p>
@@ -2383,7 +2383,7 @@
           <a:p>
             <a:fld id="{BD5AFB16-13FE-DF4A-8CB7-09756A57B2EA}" type="datetime2">
               <a:rPr lang="en-US" smtClean="0"/>
-              <a:t>Monday, September 8, 14</a:t>
+              <a:t>Tuesday, September 9, 14</a:t>
             </a:fld>
             <a:endParaRPr lang="en-US" dirty="0"/>
           </a:p>
@@ -2870,7 +2870,7 @@
           <a:p>
             <a:fld id="{1BDEC705-8EA9-6C46-8E3B-2CAC7E2C0F7D}" type="datetime2">
               <a:rPr lang="en-US" smtClean="0"/>
-              <a:t>Monday, September 8, 14</a:t>
+              <a:t>Tuesday, September 9, 14</a:t>
             </a:fld>
             <a:endParaRPr lang="en-US"/>
           </a:p>
@@ -3201,7 +3201,7 @@
           <a:p>
             <a:fld id="{BF613BD3-C5FD-9543-B738-679BF38D8C83}" type="datetime2">
               <a:rPr lang="en-US" smtClean="0"/>
-              <a:t>Monday, September 8, 14</a:t>
+              <a:t>Tuesday, September 9, 14</a:t>
             </a:fld>
             <a:endParaRPr lang="en-US" dirty="0"/>
           </a:p>
@@ -3680,7 +3680,7 @@
           <a:p>
             <a:fld id="{4B5E4F0C-9A9C-5448-99FD-D30288B385C9}" type="datetime2">
               <a:rPr lang="en-US" smtClean="0"/>
-              <a:t>Monday, September 8, 14</a:t>
+              <a:t>Tuesday, September 9, 14</a:t>
             </a:fld>
             <a:endParaRPr lang="en-US"/>
           </a:p>
@@ -3976,7 +3976,7 @@
           <a:p>
             <a:fld id="{30545249-FD76-6844-B252-CAB05FC2DAA8}" type="datetime2">
               <a:rPr lang="en-US" smtClean="0"/>
-              <a:t>Monday, September 8, 14</a:t>
+              <a:t>Tuesday, September 9, 14</a:t>
             </a:fld>
             <a:endParaRPr lang="en-US" dirty="0"/>
           </a:p>
@@ -4220,7 +4220,7 @@
           <a:p>
             <a:fld id="{CC859171-EEDD-0B48-A5C0-E7218AE20EA7}" type="datetime2">
               <a:rPr lang="en-US" smtClean="0"/>
-              <a:t>Monday, September 8, 14</a:t>
+              <a:t>Tuesday, September 9, 14</a:t>
             </a:fld>
             <a:endParaRPr lang="en-US"/>
           </a:p>
@@ -4316,7 +4316,7 @@
           <a:p>
             <a:fld id="{C32F9216-0342-7440-9504-BD6C1382BF27}" type="datetime2">
               <a:rPr lang="en-US" smtClean="0"/>
-              <a:t>Monday, September 8, 14</a:t>
+              <a:t>Tuesday, September 9, 14</a:t>
             </a:fld>
             <a:endParaRPr lang="en-US"/>
           </a:p>
@@ -4587,7 +4587,7 @@
           <a:p>
             <a:fld id="{D36DC8F2-AD63-E841-8C23-5DC3A41041BE}" type="datetime2">
               <a:rPr lang="en-US" smtClean="0"/>
-              <a:t>Monday, September 8, 14</a:t>
+              <a:t>Tuesday, September 9, 14</a:t>
             </a:fld>
             <a:endParaRPr lang="en-US" dirty="0"/>
           </a:p>
@@ -5306,7 +5306,7 @@
           <a:p>
             <a:fld id="{7DCE861A-EA6B-EA43-8AA5-DB216DBB40BC}" type="datetime2">
               <a:rPr lang="en-US" smtClean="0"/>
-              <a:t>Monday, September 8, 14</a:t>
+              <a:t>Tuesday, September 9, 14</a:t>
             </a:fld>
             <a:endParaRPr lang="en-US"/>
           </a:p>
@@ -5582,7 +5582,15 @@
             </a:r>
             <a:r>
               <a:rPr lang="en-US" dirty="0"/>
-              <a:t>has better aspect ratios, so you “open up fewer nodes </a:t>
+              <a:t>has better aspect ratios, so you </a:t>
+            </a:r>
+            <a:r>
+              <a:rPr lang="en-US" dirty="0" smtClean="0"/>
+              <a:t>open </a:t>
+            </a:r>
+            <a:r>
+              <a:rPr lang="en-US" dirty="0"/>
+              <a:t>up fewer nodes </a:t>
             </a:r>
             <a:endParaRPr lang="en-US" dirty="0" smtClean="0"/>
           </a:p>
@@ -5613,8 +5621,8 @@
               <a:t>: one-to-one map between sub-trees and </a:t>
             </a:r>
             <a:r>
-              <a:rPr lang="en-US" dirty="0" err="1" smtClean="0"/>
-              <a:t>Pes</a:t>
+              <a:rPr lang="en-US" dirty="0" smtClean="0"/>
+              <a:t>PEs</a:t>
             </a:r>
             <a:endParaRPr lang="en-US" dirty="0"/>
           </a:p>
@@ -5665,7 +5673,7 @@
           <a:p>
             <a:fld id="{34621E95-60A9-FF44-9869-513D9D7A859F}" type="datetime2">
               <a:rPr lang="en-US" smtClean="0"/>
-              <a:t>Monday, September 8, 14</a:t>
+              <a:t>Tuesday, September 9, 14</a:t>
             </a:fld>
             <a:endParaRPr lang="en-US"/>
           </a:p>
@@ -6187,7 +6195,7 @@
           <a:p>
             <a:fld id="{34621E95-60A9-FF44-9869-513D9D7A859F}" type="datetime2">
               <a:rPr lang="en-US" smtClean="0"/>
-              <a:t>Monday, September 8, 14</a:t>
+              <a:t>Tuesday, September 9, 14</a:t>
             </a:fld>
             <a:endParaRPr lang="en-US"/>
           </a:p>
@@ -6251,6 +6259,13 @@
   <p:clrMapOvr>
     <a:masterClrMapping/>
   </p:clrMapOvr>
+  <p:timing>
+    <p:tnLst>
+      <p:par>
+        <p:cTn xmlns:p14="http://schemas.microsoft.com/office/powerpoint/2010/main" id="1" dur="indefinite" restart="never" nodeType="tmRoot"/>
+      </p:par>
+    </p:tnLst>
+  </p:timing>
 </p:sld>
 </file>
 
@@ -6297,8 +6312,8 @@
               <a:t>: MD with quantum </a:t>
             </a:r>
             <a:r>
-              <a:rPr lang="en-US" dirty="0" err="1"/>
-              <a:t>e↵ects</a:t>
+              <a:rPr lang="en-US" dirty="0" smtClean="0"/>
+              <a:t>effects</a:t>
             </a:r>
             <a:endParaRPr lang="en-US" dirty="0"/>
           </a:p>
@@ -6429,7 +6444,7 @@
           <a:p>
             <a:fld id="{BF613BD3-C5FD-9543-B738-679BF38D8C83}" type="datetime2">
               <a:rPr lang="en-US" smtClean="0"/>
-              <a:t>Monday, September 8, 14</a:t>
+              <a:t>Tuesday, September 9, 14</a:t>
             </a:fld>
             <a:endParaRPr lang="en-US" dirty="0"/>
           </a:p>
@@ -6996,7 +7011,7 @@
           <a:p>
             <a:fld id="{BF613BD3-C5FD-9543-B738-679BF38D8C83}" type="datetime2">
               <a:rPr lang="en-US" smtClean="0"/>
-              <a:t>Monday, September 8, 14</a:t>
+              <a:t>Tuesday, September 9, 14</a:t>
             </a:fld>
             <a:endParaRPr lang="en-US" dirty="0"/>
           </a:p>
@@ -7158,7 +7173,7 @@
           <a:p>
             <a:fld id="{34621E95-60A9-FF44-9869-513D9D7A859F}" type="datetime2">
               <a:rPr lang="en-US" smtClean="0"/>
-              <a:t>Monday, September 8, 14</a:t>
+              <a:t>Tuesday, September 9, 14</a:t>
             </a:fld>
             <a:endParaRPr lang="en-US"/>
           </a:p>
@@ -7252,6 +7267,13 @@
   <p:clrMapOvr>
     <a:masterClrMapping/>
   </p:clrMapOvr>
+  <p:timing>
+    <p:tnLst>
+      <p:par>
+        <p:cTn xmlns:p14="http://schemas.microsoft.com/office/powerpoint/2010/main" id="1" dur="indefinite" restart="never" nodeType="tmRoot"/>
+      </p:par>
+    </p:tnLst>
+  </p:timing>
 </p:sld>
 </file>
 
@@ -7341,8 +7363,20 @@
               <a:t>Relatively </a:t>
             </a:r>
             <a:r>
+              <a:rPr lang="en-US" dirty="0" smtClean="0"/>
+              <a:t>small amount </a:t>
+            </a:r>
+            <a:r>
               <a:rPr lang="en-US" dirty="0"/>
-              <a:t>small of atoms (100K 10M)</a:t>
+              <a:t>of atoms (100K </a:t>
+            </a:r>
+            <a:r>
+              <a:rPr lang="en-US" dirty="0" smtClean="0"/>
+              <a:t>– 10M</a:t>
+            </a:r>
+            <a:r>
+              <a:rPr lang="en-US" dirty="0"/>
+              <a:t>)</a:t>
             </a:r>
           </a:p>
           <a:p>
@@ -7424,12 +7458,6 @@
               <a:rPr lang="en-US" dirty="0"/>
               <a:t>Challenge: femtosecond time-step, millions needed!</a:t>
             </a:r>
-          </a:p>
-          <a:p>
-            <a:pPr marL="0" indent="0">
-              <a:buNone/>
-            </a:pPr>
-            <a:endParaRPr lang="en-US" dirty="0" smtClean="0"/>
           </a:p>
           <a:p>
             <a:pPr marL="0" indent="0">
@@ -7503,7 +7531,7 @@
           <a:p>
             <a:fld id="{34621E95-60A9-FF44-9869-513D9D7A859F}" type="datetime2">
               <a:rPr lang="en-US" smtClean="0"/>
-              <a:t>Monday, September 8, 14</a:t>
+              <a:t>Tuesday, September 9, 14</a:t>
             </a:fld>
             <a:endParaRPr lang="en-US"/>
           </a:p>
@@ -7917,7 +7945,7 @@
                                         <p:tgtEl>
                                           <p:spTgt spid="3">
                                             <p:txEl>
-                                              <p:pRg st="12" end="12"/>
+                                              <p:pRg st="11" end="11"/>
                                             </p:txEl>
                                           </p:spTgt>
                                         </p:tgtEl>
@@ -8069,7 +8097,7 @@
         <p:spPr/>
         <p:txBody>
           <a:bodyPr anchor="ctr">
-            <a:normAutofit fontScale="85000" lnSpcReduction="20000"/>
+            <a:normAutofit fontScale="92500" lnSpcReduction="20000"/>
           </a:bodyPr>
           <a:lstStyle/>
           <a:p>
@@ -8085,8 +8113,13 @@
           <a:p>
             <a:r>
               <a:rPr lang="en-US" dirty="0"/>
-              <a:t>Size of each cube :</a:t>
-            </a:r>
+              <a:t>Size of each </a:t>
+            </a:r>
+            <a:r>
+              <a:rPr lang="en-US" dirty="0" smtClean="0"/>
+              <a:t>cube:</a:t>
+            </a:r>
+            <a:endParaRPr lang="en-US" dirty="0"/>
           </a:p>
           <a:p>
             <a:pPr lvl="1"/>
@@ -8096,7 +8129,19 @@
             </a:r>
             <a:r>
               <a:rPr lang="en-US" dirty="0"/>
-              <a:t>a bit larger than cut-o↵ radius </a:t>
+              <a:t>a bit larger than cut-</a:t>
+            </a:r>
+            <a:r>
+              <a:rPr lang="en-US" dirty="0" smtClean="0"/>
+              <a:t>o</a:t>
+            </a:r>
+            <a:r>
+              <a:rPr lang="en-US" dirty="0" smtClean="0"/>
+              <a:t>ff </a:t>
+            </a:r>
+            <a:r>
+              <a:rPr lang="en-US" dirty="0" smtClean="0"/>
+              <a:t>radius </a:t>
             </a:r>
             <a:endParaRPr lang="en-US" dirty="0" smtClean="0"/>
           </a:p>
@@ -8169,12 +8214,6 @@
               <a:rPr lang="en-US" dirty="0"/>
               <a:t>parallelism</a:t>
             </a:r>
-          </a:p>
-          <a:p>
-            <a:pPr marL="0" indent="0">
-              <a:buNone/>
-            </a:pPr>
-            <a:endParaRPr lang="en-US" dirty="0" smtClean="0"/>
           </a:p>
           <a:p>
             <a:pPr marL="0" indent="0">
@@ -8216,7 +8255,7 @@
           <a:p>
             <a:fld id="{BF613BD3-C5FD-9543-B738-679BF38D8C83}" type="datetime2">
               <a:rPr lang="en-US" smtClean="0"/>
-              <a:t>Monday, September 8, 14</a:t>
+              <a:t>Tuesday, September 9, 14</a:t>
             </a:fld>
             <a:endParaRPr lang="en-US" dirty="0"/>
           </a:p>
@@ -8600,7 +8639,7 @@
                                         <p:tgtEl>
                                           <p:spTgt spid="4">
                                             <p:txEl>
-                                              <p:pRg st="10" end="10"/>
+                                              <p:pRg st="9" end="9"/>
                                             </p:txEl>
                                           </p:spTgt>
                                         </p:tgtEl>
@@ -8840,7 +8879,7 @@
           <a:p>
             <a:fld id="{BF613BD3-C5FD-9543-B738-679BF38D8C83}" type="datetime2">
               <a:rPr lang="en-US" smtClean="0"/>
-              <a:t>Monday, September 8, 14</a:t>
+              <a:t>Tuesday, September 9, 14</a:t>
             </a:fld>
             <a:endParaRPr lang="en-US" dirty="0"/>
           </a:p>
@@ -9216,7 +9255,7 @@
           <a:p>
             <a:fld id="{34621E95-60A9-FF44-9869-513D9D7A859F}" type="datetime2">
               <a:rPr lang="en-US" smtClean="0"/>
-              <a:t>Monday, September 8, 14</a:t>
+              <a:t>Tuesday, September 9, 14</a:t>
             </a:fld>
             <a:endParaRPr lang="en-US"/>
           </a:p>
@@ -9400,7 +9439,7 @@
           <a:p>
             <a:fld id="{34621E95-60A9-FF44-9869-513D9D7A859F}" type="datetime2">
               <a:rPr lang="en-US" smtClean="0"/>
-              <a:t>Monday, September 8, 14</a:t>
+              <a:t>Tuesday, September 9, 14</a:t>
             </a:fld>
             <a:endParaRPr lang="en-US"/>
           </a:p>
@@ -9547,7 +9586,7 @@
           <a:p>
             <a:fld id="{34621E95-60A9-FF44-9869-513D9D7A859F}" type="datetime2">
               <a:rPr lang="en-US" smtClean="0"/>
-              <a:t>Monday, September 8, 14</a:t>
+              <a:t>Tuesday, September 9, 14</a:t>
             </a:fld>
             <a:endParaRPr lang="en-US"/>
           </a:p>
@@ -9724,7 +9763,7 @@
           <a:p>
             <a:fld id="{34621E95-60A9-FF44-9869-513D9D7A859F}" type="datetime2">
               <a:rPr lang="en-US" smtClean="0"/>
-              <a:t>Monday, September 8, 14</a:t>
+              <a:t>Tuesday, September 9, 14</a:t>
             </a:fld>
             <a:endParaRPr lang="en-US"/>
           </a:p>

--- a/tutorial-08-app_design.pptx
+++ b/tutorial-08-app_design.pptx
@@ -2,7 +2,7 @@
 <file path=ppt/presentation.xml><?xml version="1.0" encoding="utf-8"?>
 <p:presentation xmlns:a="http://schemas.openxmlformats.org/drawingml/2006/main" xmlns:r="http://schemas.openxmlformats.org/officeDocument/2006/relationships" xmlns:p="http://schemas.openxmlformats.org/presentationml/2006/main" showSpecialPlsOnTitleSld="0" saveSubsetFonts="1">
   <p:sldMasterIdLst>
-    <p:sldMasterId id="2147483960" r:id="rId1"/>
+    <p:sldMasterId id="2147483974" r:id="rId1"/>
   </p:sldMasterIdLst>
   <p:notesMasterIdLst>
     <p:notesMasterId r:id="rId15"/>
@@ -213,7 +213,7 @@
           <a:p>
             <a:fld id="{775CE290-E0F5-444C-B849-A8F17CD4104C}" type="datetimeFigureOut">
               <a:rPr lang="en-US" smtClean="0"/>
-              <a:t>9/9/14</a:t>
+              <a:t>9/10/14</a:t>
             </a:fld>
             <a:endParaRPr lang="en-US"/>
           </a:p>
@@ -379,7 +379,7 @@
           <a:p>
             <a:fld id="{AD53A24C-4135-094C-957B-35852E7EDFA4}" type="datetimeFigureOut">
               <a:rPr lang="en-US" smtClean="0"/>
-              <a:t>9/9/14</a:t>
+              <a:t>9/10/14</a:t>
             </a:fld>
             <a:endParaRPr lang="en-US"/>
           </a:p>
@@ -649,7 +649,7 @@
 </file>
 
 <file path=ppt/slideLayouts/slideLayout1.xml><?xml version="1.0" encoding="utf-8"?>
-<p:sldLayout xmlns:a="http://schemas.openxmlformats.org/drawingml/2006/main" xmlns:r="http://schemas.openxmlformats.org/officeDocument/2006/relationships" xmlns:p="http://schemas.openxmlformats.org/presentationml/2006/main" preserve="1" userDrawn="1">
+<p:sldLayout xmlns:a="http://schemas.openxmlformats.org/drawingml/2006/main" xmlns:r="http://schemas.openxmlformats.org/officeDocument/2006/relationships" xmlns:p="http://schemas.openxmlformats.org/presentationml/2006/main" preserve="1">
   <p:cSld name="Title Slide">
     <p:spTree>
       <p:nvGrpSpPr>
@@ -696,7 +696,7 @@
           </a:lstStyle>
           <a:p>
             <a:r>
-              <a:rPr lang="en-US" dirty="0" smtClean="0"/>
+              <a:rPr lang="en-US" smtClean="0"/>
               <a:t>Click to edit Master title style</a:t>
             </a:r>
             <a:endParaRPr lang="en-US" dirty="0"/>
@@ -816,7 +816,7 @@
           </a:lstStyle>
           <a:p>
             <a:r>
-              <a:rPr lang="en-US" dirty="0" smtClean="0"/>
+              <a:rPr lang="en-US" smtClean="0"/>
               <a:t>Click to edit Master subtitle style</a:t>
             </a:r>
             <a:endParaRPr lang="en-US" dirty="0"/>
@@ -840,7 +840,7 @@
           <a:p>
             <a:fld id="{B594EA25-E4F4-3746-A0BA-A11E27330E0F}" type="datetime2">
               <a:rPr lang="en-US" smtClean="0"/>
-              <a:t>Tuesday, September 9, 14</a:t>
+              <a:t>Wednesday, September 10, 14</a:t>
             </a:fld>
             <a:endParaRPr lang="en-US"/>
           </a:p>
@@ -935,7 +935,7 @@
           <p:cNvSpPr txBox="1">
             <a:spLocks/>
           </p:cNvSpPr>
-          <p:nvPr userDrawn="1"/>
+          <p:nvPr/>
         </p:nvSpPr>
         <p:spPr>
           <a:xfrm>
@@ -1143,7 +1143,7 @@
                 <a:latin typeface="Times New Roman"/>
                 <a:cs typeface="Times New Roman"/>
               </a:rPr>
-              <a:t>September 9, 2014</a:t>
+              <a:t>September 10, 2014</a:t>
             </a:fld>
             <a:endParaRPr lang="en-US" dirty="0">
               <a:latin typeface="Times New Roman"/>
@@ -1197,10 +1197,232 @@
           <a:p>
             <a:pPr lvl="0"/>
             <a:r>
-              <a:rPr lang="en-US" dirty="0" smtClean="0"/>
+              <a:rPr lang="en-US" smtClean="0"/>
               <a:t>Click to edit Master text styles</a:t>
             </a:r>
-            <a:endParaRPr lang="en-US" dirty="0"/>
+          </a:p>
+        </p:txBody>
+      </p:sp>
+      <p:sp>
+        <p:nvSpPr>
+          <p:cNvPr id="11" name="Subtitle 2"/>
+          <p:cNvSpPr txBox="1">
+            <a:spLocks/>
+          </p:cNvSpPr>
+          <p:nvPr userDrawn="1"/>
+        </p:nvSpPr>
+        <p:spPr>
+          <a:xfrm>
+            <a:off x="1404926" y="4774277"/>
+            <a:ext cx="6400800" cy="700402"/>
+          </a:xfrm>
+          <a:prstGeom prst="rect">
+            <a:avLst/>
+          </a:prstGeom>
+        </p:spPr>
+        <p:txBody>
+          <a:bodyPr vert="horz" lIns="91440" tIns="45720" rIns="91440" bIns="45720" rtlCol="0">
+            <a:normAutofit/>
+          </a:bodyPr>
+          <a:lstStyle>
+            <a:lvl1pPr marL="0" indent="0" algn="ctr" defTabSz="914400" rtl="0" eaLnBrk="1" latinLnBrk="0" hangingPunct="1">
+              <a:spcBef>
+                <a:spcPct val="20000"/>
+              </a:spcBef>
+              <a:buClr>
+                <a:schemeClr val="accent1"/>
+              </a:buClr>
+              <a:buSzPct val="85000"/>
+              <a:buFont typeface="Arial" pitchFamily="34" charset="0"/>
+              <a:buNone/>
+              <a:defRPr sz="2400" kern="1200">
+                <a:solidFill>
+                  <a:schemeClr val="tx1">
+                    <a:lumMod val="75000"/>
+                    <a:lumOff val="25000"/>
+                  </a:schemeClr>
+                </a:solidFill>
+                <a:latin typeface="+mn-lt"/>
+                <a:ea typeface="+mn-ea"/>
+                <a:cs typeface="+mn-cs"/>
+              </a:defRPr>
+            </a:lvl1pPr>
+            <a:lvl2pPr marL="457200" indent="0" algn="ctr" defTabSz="914400" rtl="0" eaLnBrk="1" latinLnBrk="0" hangingPunct="1">
+              <a:spcBef>
+                <a:spcPct val="20000"/>
+              </a:spcBef>
+              <a:buClr>
+                <a:schemeClr val="accent1"/>
+              </a:buClr>
+              <a:buSzPct val="85000"/>
+              <a:buFont typeface="Arial" pitchFamily="34" charset="0"/>
+              <a:buNone/>
+              <a:defRPr sz="2000" kern="1200">
+                <a:solidFill>
+                  <a:schemeClr val="tx1">
+                    <a:tint val="75000"/>
+                  </a:schemeClr>
+                </a:solidFill>
+                <a:latin typeface="+mn-lt"/>
+                <a:ea typeface="+mn-ea"/>
+                <a:cs typeface="+mn-cs"/>
+              </a:defRPr>
+            </a:lvl2pPr>
+            <a:lvl3pPr marL="914400" indent="0" algn="ctr" defTabSz="914400" rtl="0" eaLnBrk="1" latinLnBrk="0" hangingPunct="1">
+              <a:spcBef>
+                <a:spcPct val="20000"/>
+              </a:spcBef>
+              <a:buClr>
+                <a:schemeClr val="accent1"/>
+              </a:buClr>
+              <a:buSzPct val="90000"/>
+              <a:buFont typeface="Arial" pitchFamily="34" charset="0"/>
+              <a:buNone/>
+              <a:defRPr sz="1800" kern="1200">
+                <a:solidFill>
+                  <a:schemeClr val="tx1">
+                    <a:tint val="75000"/>
+                  </a:schemeClr>
+                </a:solidFill>
+                <a:latin typeface="+mn-lt"/>
+                <a:ea typeface="+mn-ea"/>
+                <a:cs typeface="+mn-cs"/>
+              </a:defRPr>
+            </a:lvl3pPr>
+            <a:lvl4pPr marL="1371600" indent="0" algn="ctr" defTabSz="914400" rtl="0" eaLnBrk="1" latinLnBrk="0" hangingPunct="1">
+              <a:spcBef>
+                <a:spcPct val="20000"/>
+              </a:spcBef>
+              <a:buClr>
+                <a:schemeClr val="accent1"/>
+              </a:buClr>
+              <a:buFont typeface="Arial" pitchFamily="34" charset="0"/>
+              <a:buNone/>
+              <a:defRPr sz="1600" kern="1200">
+                <a:solidFill>
+                  <a:schemeClr val="tx1">
+                    <a:tint val="75000"/>
+                  </a:schemeClr>
+                </a:solidFill>
+                <a:latin typeface="+mn-lt"/>
+                <a:ea typeface="+mn-ea"/>
+                <a:cs typeface="+mn-cs"/>
+              </a:defRPr>
+            </a:lvl4pPr>
+            <a:lvl5pPr marL="1828800" indent="0" algn="ctr" defTabSz="914400" rtl="0" eaLnBrk="1" latinLnBrk="0" hangingPunct="1">
+              <a:spcBef>
+                <a:spcPct val="20000"/>
+              </a:spcBef>
+              <a:buClr>
+                <a:schemeClr val="accent1"/>
+              </a:buClr>
+              <a:buSzPct val="100000"/>
+              <a:buFont typeface="Arial" pitchFamily="34" charset="0"/>
+              <a:buNone/>
+              <a:defRPr sz="1400" kern="1200" baseline="0">
+                <a:solidFill>
+                  <a:schemeClr val="tx1">
+                    <a:tint val="75000"/>
+                  </a:schemeClr>
+                </a:solidFill>
+                <a:latin typeface="+mn-lt"/>
+                <a:ea typeface="+mn-ea"/>
+                <a:cs typeface="+mn-cs"/>
+              </a:defRPr>
+            </a:lvl5pPr>
+            <a:lvl6pPr marL="2286000" indent="0" algn="ctr" defTabSz="914400" rtl="0" eaLnBrk="1" latinLnBrk="0" hangingPunct="1">
+              <a:spcBef>
+                <a:spcPct val="20000"/>
+              </a:spcBef>
+              <a:buClr>
+                <a:schemeClr val="accent1"/>
+              </a:buClr>
+              <a:buFont typeface="Arial" pitchFamily="34" charset="0"/>
+              <a:buNone/>
+              <a:defRPr sz="1300" kern="1200">
+                <a:solidFill>
+                  <a:schemeClr val="tx1">
+                    <a:tint val="75000"/>
+                  </a:schemeClr>
+                </a:solidFill>
+                <a:latin typeface="+mn-lt"/>
+                <a:ea typeface="+mn-ea"/>
+                <a:cs typeface="+mn-cs"/>
+              </a:defRPr>
+            </a:lvl6pPr>
+            <a:lvl7pPr marL="2743200" indent="0" algn="ctr" defTabSz="914400" rtl="0" eaLnBrk="1" latinLnBrk="0" hangingPunct="1">
+              <a:spcBef>
+                <a:spcPct val="20000"/>
+              </a:spcBef>
+              <a:buClr>
+                <a:schemeClr val="accent1"/>
+              </a:buClr>
+              <a:buFont typeface="Arial" pitchFamily="34" charset="0"/>
+              <a:buNone/>
+              <a:defRPr sz="1300" kern="1200">
+                <a:solidFill>
+                  <a:schemeClr val="tx1">
+                    <a:tint val="75000"/>
+                  </a:schemeClr>
+                </a:solidFill>
+                <a:latin typeface="+mn-lt"/>
+                <a:ea typeface="+mn-ea"/>
+                <a:cs typeface="+mn-cs"/>
+              </a:defRPr>
+            </a:lvl7pPr>
+            <a:lvl8pPr marL="3200400" indent="0" algn="ctr" defTabSz="914400" rtl="0" eaLnBrk="1" latinLnBrk="0" hangingPunct="1">
+              <a:spcBef>
+                <a:spcPct val="20000"/>
+              </a:spcBef>
+              <a:buClr>
+                <a:schemeClr val="accent1"/>
+              </a:buClr>
+              <a:buFont typeface="Arial" pitchFamily="34" charset="0"/>
+              <a:buNone/>
+              <a:defRPr sz="1300" kern="1200">
+                <a:solidFill>
+                  <a:schemeClr val="tx1">
+                    <a:tint val="75000"/>
+                  </a:schemeClr>
+                </a:solidFill>
+                <a:latin typeface="+mn-lt"/>
+                <a:ea typeface="+mn-ea"/>
+                <a:cs typeface="+mn-cs"/>
+              </a:defRPr>
+            </a:lvl8pPr>
+            <a:lvl9pPr marL="3657600" indent="0" algn="ctr" defTabSz="914400" rtl="0" eaLnBrk="1" latinLnBrk="0" hangingPunct="1">
+              <a:spcBef>
+                <a:spcPct val="20000"/>
+              </a:spcBef>
+              <a:buClr>
+                <a:schemeClr val="accent1"/>
+              </a:buClr>
+              <a:buFont typeface="Arial" pitchFamily="34" charset="0"/>
+              <a:buNone/>
+              <a:defRPr sz="1300" kern="1200">
+                <a:solidFill>
+                  <a:schemeClr val="tx1">
+                    <a:tint val="75000"/>
+                  </a:schemeClr>
+                </a:solidFill>
+                <a:latin typeface="+mn-lt"/>
+                <a:ea typeface="+mn-ea"/>
+                <a:cs typeface="+mn-cs"/>
+              </a:defRPr>
+            </a:lvl9pPr>
+          </a:lstStyle>
+          <a:p>
+            <a:fld id="{B07CD00D-ECE2-B341-910C-3E5E7B4740E6}" type="datetime4">
+              <a:rPr lang="en-US" smtClean="0">
+                <a:latin typeface="Times New Roman"/>
+                <a:cs typeface="Times New Roman"/>
+              </a:rPr>
+              <a:t>September 10, 2014</a:t>
+            </a:fld>
+            <a:endParaRPr lang="en-US" dirty="0">
+              <a:latin typeface="Times New Roman"/>
+              <a:cs typeface="Times New Roman"/>
+            </a:endParaRPr>
           </a:p>
         </p:txBody>
       </p:sp>
@@ -1241,8 +1463,8 @@
         </p:nvSpPr>
         <p:spPr>
           <a:xfrm>
-            <a:off x="457200" y="792080"/>
-            <a:ext cx="2139696" cy="1261872"/>
+            <a:off x="261865" y="161144"/>
+            <a:ext cx="2335031" cy="1261872"/>
           </a:xfrm>
         </p:spPr>
         <p:txBody>
@@ -1275,8 +1497,8 @@
         </p:nvSpPr>
         <p:spPr>
           <a:xfrm>
-            <a:off x="2971800" y="792080"/>
-            <a:ext cx="5715000" cy="5577840"/>
+            <a:off x="2971799" y="161144"/>
+            <a:ext cx="5905425" cy="6208776"/>
           </a:xfrm>
         </p:spPr>
         <p:txBody>
@@ -1360,8 +1582,8 @@
         </p:nvSpPr>
         <p:spPr>
           <a:xfrm>
-            <a:off x="457201" y="2130552"/>
-            <a:ext cx="2139696" cy="4243615"/>
+            <a:off x="261865" y="1625600"/>
+            <a:ext cx="2335032" cy="4748567"/>
           </a:xfrm>
         </p:spPr>
         <p:txBody>
@@ -1430,7 +1652,7 @@
           <a:p>
             <a:fld id="{EA699BF9-66CB-F244-8E74-7B1BE1C77046}" type="datetime2">
               <a:rPr lang="en-US" smtClean="0"/>
-              <a:t>Tuesday, September 9, 14</a:t>
+              <a:t>Wednesday, September 10, 14</a:t>
             </a:fld>
             <a:endParaRPr lang="en-US"/>
           </a:p>
@@ -1491,9 +1713,9 @@
           <p:nvPr/>
         </p:nvCxnSpPr>
         <p:spPr>
-          <a:xfrm rot="5400000">
-            <a:off x="-13116" y="3580206"/>
-            <a:ext cx="5577840" cy="1588"/>
+          <a:xfrm>
+            <a:off x="2775010" y="161144"/>
+            <a:ext cx="0" cy="6208776"/>
           </a:xfrm>
           <a:prstGeom prst="line">
             <a:avLst/>
@@ -1556,8 +1778,8 @@
         </p:nvSpPr>
         <p:spPr>
           <a:xfrm>
-            <a:off x="457200" y="792480"/>
-            <a:ext cx="2142680" cy="1264920"/>
+            <a:off x="258881" y="160020"/>
+            <a:ext cx="2338015" cy="1264920"/>
           </a:xfrm>
         </p:spPr>
         <p:txBody>
@@ -1590,8 +1812,8 @@
         </p:nvSpPr>
         <p:spPr>
           <a:xfrm>
-            <a:off x="2858610" y="838201"/>
-            <a:ext cx="5904390" cy="5500456"/>
+            <a:off x="2858609" y="160020"/>
+            <a:ext cx="6018615" cy="6178637"/>
           </a:xfrm>
           <a:solidFill>
             <a:schemeClr val="bg2"/>
@@ -1671,8 +1893,8 @@
         </p:nvSpPr>
         <p:spPr>
           <a:xfrm>
-            <a:off x="457200" y="2133600"/>
-            <a:ext cx="2139696" cy="4242816"/>
+            <a:off x="261865" y="1663700"/>
+            <a:ext cx="2335031" cy="4712716"/>
           </a:xfrm>
         </p:spPr>
         <p:txBody>
@@ -1741,7 +1963,7 @@
           <a:p>
             <a:fld id="{D300BE84-9843-8B4F-B3C8-647B06AC46C9}" type="datetime2">
               <a:rPr lang="en-US" smtClean="0"/>
-              <a:t>Tuesday, September 9, 14</a:t>
+              <a:t>Wednesday, September 10, 14</a:t>
             </a:fld>
             <a:endParaRPr lang="en-US"/>
           </a:p>
@@ -1912,7 +2134,7 @@
           <a:p>
             <a:fld id="{C460AE39-2092-A945-8296-F25085B9A0F1}" type="datetime2">
               <a:rPr lang="en-US" smtClean="0"/>
-              <a:t>Tuesday, September 9, 14</a:t>
+              <a:t>Wednesday, September 10, 14</a:t>
             </a:fld>
             <a:endParaRPr lang="en-US"/>
           </a:p>
@@ -2003,7 +2225,7 @@
         </p:nvSpPr>
         <p:spPr>
           <a:xfrm>
-            <a:off x="6629400" y="609600"/>
+            <a:off x="6819825" y="508000"/>
             <a:ext cx="2057400" cy="5867400"/>
           </a:xfrm>
         </p:spPr>
@@ -2031,8 +2253,8 @@
         </p:nvSpPr>
         <p:spPr>
           <a:xfrm>
-            <a:off x="457200" y="609600"/>
-            <a:ext cx="6019800" cy="5867400"/>
+            <a:off x="261865" y="508000"/>
+            <a:ext cx="6405635" cy="5867400"/>
           </a:xfrm>
         </p:spPr>
         <p:txBody>
@@ -2093,7 +2315,7 @@
           <a:p>
             <a:fld id="{63BC7E9D-3218-5E49-A867-E087AB2F4618}" type="datetime2">
               <a:rPr lang="en-US" smtClean="0"/>
-              <a:t>Tuesday, September 9, 14</a:t>
+              <a:t>Wednesday, September 10, 14</a:t>
             </a:fld>
             <a:endParaRPr lang="en-US"/>
           </a:p>
@@ -2148,6 +2370,1343 @@
         </p:txBody>
       </p:sp>
     </p:spTree>
+  </p:cSld>
+  <p:clrMapOvr>
+    <a:masterClrMapping/>
+  </p:clrMapOvr>
+</p:sldLayout>
+</file>
+
+<file path=ppt/slideLayouts/slideLayout14.xml><?xml version="1.0" encoding="utf-8"?>
+<p:sldLayout xmlns:a="http://schemas.openxmlformats.org/drawingml/2006/main" xmlns:r="http://schemas.openxmlformats.org/officeDocument/2006/relationships" xmlns:p="http://schemas.openxmlformats.org/presentationml/2006/main" preserve="1" userDrawn="1">
+  <p:cSld name="1_Title Slide">
+    <p:spTree>
+      <p:nvGrpSpPr>
+        <p:cNvPr id="1" name=""/>
+        <p:cNvGrpSpPr/>
+        <p:nvPr/>
+      </p:nvGrpSpPr>
+      <p:grpSpPr>
+        <a:xfrm>
+          <a:off x="0" y="0"/>
+          <a:ext cx="0" cy="0"/>
+          <a:chOff x="0" y="0"/>
+          <a:chExt cx="0" cy="0"/>
+        </a:xfrm>
+      </p:grpSpPr>
+      <p:sp>
+        <p:nvSpPr>
+          <p:cNvPr id="2" name="Title 1"/>
+          <p:cNvSpPr>
+            <a:spLocks noGrp="1"/>
+          </p:cNvSpPr>
+          <p:nvPr>
+            <p:ph type="ctrTitle"/>
+          </p:nvPr>
+        </p:nvSpPr>
+        <p:spPr>
+          <a:xfrm>
+            <a:off x="107103" y="1734127"/>
+            <a:ext cx="8904929" cy="698493"/>
+          </a:xfrm>
+        </p:spPr>
+        <p:txBody>
+          <a:bodyPr anchor="b">
+            <a:normAutofit/>
+          </a:bodyPr>
+          <a:lstStyle>
+            <a:lvl1pPr algn="ctr">
+              <a:defRPr sz="4400" cap="small" baseline="0">
+                <a:solidFill>
+                  <a:schemeClr val="tx2"/>
+                </a:solidFill>
+              </a:defRPr>
+            </a:lvl1pPr>
+          </a:lstStyle>
+          <a:p>
+            <a:r>
+              <a:rPr lang="en-US" dirty="0" smtClean="0"/>
+              <a:t>Click to edit Master title style</a:t>
+            </a:r>
+            <a:endParaRPr lang="en-US" dirty="0"/>
+          </a:p>
+        </p:txBody>
+      </p:sp>
+      <p:sp>
+        <p:nvSpPr>
+          <p:cNvPr id="3" name="Subtitle 2"/>
+          <p:cNvSpPr>
+            <a:spLocks noGrp="1"/>
+          </p:cNvSpPr>
+          <p:nvPr>
+            <p:ph type="subTitle" idx="1"/>
+          </p:nvPr>
+        </p:nvSpPr>
+        <p:spPr>
+          <a:xfrm>
+            <a:off x="1404926" y="2849782"/>
+            <a:ext cx="6400800" cy="700402"/>
+          </a:xfrm>
+        </p:spPr>
+        <p:txBody>
+          <a:bodyPr/>
+          <a:lstStyle>
+            <a:lvl1pPr marL="0" indent="0" algn="ctr">
+              <a:buNone/>
+              <a:defRPr>
+                <a:solidFill>
+                  <a:schemeClr val="tx1">
+                    <a:lumMod val="75000"/>
+                    <a:lumOff val="25000"/>
+                  </a:schemeClr>
+                </a:solidFill>
+              </a:defRPr>
+            </a:lvl1pPr>
+            <a:lvl2pPr marL="457200" indent="0" algn="ctr">
+              <a:buNone/>
+              <a:defRPr>
+                <a:solidFill>
+                  <a:schemeClr val="tx1">
+                    <a:tint val="75000"/>
+                  </a:schemeClr>
+                </a:solidFill>
+              </a:defRPr>
+            </a:lvl2pPr>
+            <a:lvl3pPr marL="914400" indent="0" algn="ctr">
+              <a:buNone/>
+              <a:defRPr>
+                <a:solidFill>
+                  <a:schemeClr val="tx1">
+                    <a:tint val="75000"/>
+                  </a:schemeClr>
+                </a:solidFill>
+              </a:defRPr>
+            </a:lvl3pPr>
+            <a:lvl4pPr marL="1371600" indent="0" algn="ctr">
+              <a:buNone/>
+              <a:defRPr>
+                <a:solidFill>
+                  <a:schemeClr val="tx1">
+                    <a:tint val="75000"/>
+                  </a:schemeClr>
+                </a:solidFill>
+              </a:defRPr>
+            </a:lvl4pPr>
+            <a:lvl5pPr marL="1828800" indent="0" algn="ctr">
+              <a:buNone/>
+              <a:defRPr>
+                <a:solidFill>
+                  <a:schemeClr val="tx1">
+                    <a:tint val="75000"/>
+                  </a:schemeClr>
+                </a:solidFill>
+              </a:defRPr>
+            </a:lvl5pPr>
+            <a:lvl6pPr marL="2286000" indent="0" algn="ctr">
+              <a:buNone/>
+              <a:defRPr>
+                <a:solidFill>
+                  <a:schemeClr val="tx1">
+                    <a:tint val="75000"/>
+                  </a:schemeClr>
+                </a:solidFill>
+              </a:defRPr>
+            </a:lvl6pPr>
+            <a:lvl7pPr marL="2743200" indent="0" algn="ctr">
+              <a:buNone/>
+              <a:defRPr>
+                <a:solidFill>
+                  <a:schemeClr val="tx1">
+                    <a:tint val="75000"/>
+                  </a:schemeClr>
+                </a:solidFill>
+              </a:defRPr>
+            </a:lvl7pPr>
+            <a:lvl8pPr marL="3200400" indent="0" algn="ctr">
+              <a:buNone/>
+              <a:defRPr>
+                <a:solidFill>
+                  <a:schemeClr val="tx1">
+                    <a:tint val="75000"/>
+                  </a:schemeClr>
+                </a:solidFill>
+              </a:defRPr>
+            </a:lvl8pPr>
+            <a:lvl9pPr marL="3657600" indent="0" algn="ctr">
+              <a:buNone/>
+              <a:defRPr>
+                <a:solidFill>
+                  <a:schemeClr val="tx1">
+                    <a:tint val="75000"/>
+                  </a:schemeClr>
+                </a:solidFill>
+              </a:defRPr>
+            </a:lvl9pPr>
+          </a:lstStyle>
+          <a:p>
+            <a:r>
+              <a:rPr lang="en-US" dirty="0" smtClean="0"/>
+              <a:t>Click to edit Master subtitle style</a:t>
+            </a:r>
+            <a:endParaRPr lang="en-US" dirty="0"/>
+          </a:p>
+        </p:txBody>
+      </p:sp>
+      <p:sp>
+        <p:nvSpPr>
+          <p:cNvPr id="4" name="Date Placeholder 3"/>
+          <p:cNvSpPr>
+            <a:spLocks noGrp="1"/>
+          </p:cNvSpPr>
+          <p:nvPr>
+            <p:ph type="dt" sz="half" idx="10"/>
+          </p:nvPr>
+        </p:nvSpPr>
+        <p:spPr/>
+        <p:txBody>
+          <a:bodyPr/>
+          <a:lstStyle/>
+          <a:p>
+            <a:fld id="{B594EA25-E4F4-3746-A0BA-A11E27330E0F}" type="datetime2">
+              <a:rPr lang="en-US" smtClean="0"/>
+              <a:t>Wednesday, September 10, 14</a:t>
+            </a:fld>
+            <a:endParaRPr lang="en-US"/>
+          </a:p>
+        </p:txBody>
+      </p:sp>
+      <p:sp>
+        <p:nvSpPr>
+          <p:cNvPr id="5" name="Footer Placeholder 4"/>
+          <p:cNvSpPr>
+            <a:spLocks noGrp="1"/>
+          </p:cNvSpPr>
+          <p:nvPr>
+            <p:ph type="ftr" sz="quarter" idx="11"/>
+          </p:nvPr>
+        </p:nvSpPr>
+        <p:spPr/>
+        <p:txBody>
+          <a:bodyPr/>
+          <a:lstStyle/>
+          <a:p>
+            <a:pPr algn="r"/>
+            <a:r>
+              <a:rPr lang="en-US" smtClean="0"/>
+              <a:t>Sanjay Kalé and PPL (UIUC) – Parallel Migratable Objects </a:t>
+            </a:r>
+            <a:endParaRPr lang="en-US" dirty="0"/>
+          </a:p>
+        </p:txBody>
+      </p:sp>
+      <p:sp>
+        <p:nvSpPr>
+          <p:cNvPr id="6" name="Slide Number Placeholder 5"/>
+          <p:cNvSpPr>
+            <a:spLocks noGrp="1"/>
+          </p:cNvSpPr>
+          <p:nvPr>
+            <p:ph type="sldNum" sz="quarter" idx="12"/>
+          </p:nvPr>
+        </p:nvSpPr>
+        <p:spPr/>
+        <p:txBody>
+          <a:bodyPr/>
+          <a:lstStyle/>
+          <a:p>
+            <a:fld id="{0CFEC368-1D7A-4F81-ABF6-AE0E36BAF64C}" type="slidenum">
+              <a:rPr lang="en-US" smtClean="0"/>
+              <a:pPr/>
+              <a:t>‹#›</a:t>
+            </a:fld>
+            <a:endParaRPr lang="en-US"/>
+          </a:p>
+        </p:txBody>
+      </p:sp>
+      <p:cxnSp>
+        <p:nvCxnSpPr>
+          <p:cNvPr id="8" name="Straight Connector 7"/>
+          <p:cNvCxnSpPr/>
+          <p:nvPr/>
+        </p:nvCxnSpPr>
+        <p:spPr>
+          <a:xfrm>
+            <a:off x="685800" y="2444811"/>
+            <a:ext cx="7848600" cy="1588"/>
+          </a:xfrm>
+          <a:prstGeom prst="line">
+            <a:avLst/>
+          </a:prstGeom>
+          <a:ln w="19050">
+            <a:solidFill>
+              <a:schemeClr val="tx2"/>
+            </a:solidFill>
+          </a:ln>
+        </p:spPr>
+        <p:style>
+          <a:lnRef idx="1">
+            <a:schemeClr val="accent1"/>
+          </a:lnRef>
+          <a:fillRef idx="0">
+            <a:schemeClr val="accent1"/>
+          </a:fillRef>
+          <a:effectRef idx="0">
+            <a:schemeClr val="accent1"/>
+          </a:effectRef>
+          <a:fontRef idx="minor">
+            <a:schemeClr val="tx1"/>
+          </a:fontRef>
+        </p:style>
+      </p:cxnSp>
+      <p:sp>
+        <p:nvSpPr>
+          <p:cNvPr id="10" name="Subtitle 2"/>
+          <p:cNvSpPr txBox="1">
+            <a:spLocks/>
+          </p:cNvSpPr>
+          <p:nvPr userDrawn="1"/>
+        </p:nvSpPr>
+        <p:spPr>
+          <a:xfrm>
+            <a:off x="1404926" y="4774277"/>
+            <a:ext cx="6400800" cy="700402"/>
+          </a:xfrm>
+          <a:prstGeom prst="rect">
+            <a:avLst/>
+          </a:prstGeom>
+        </p:spPr>
+        <p:txBody>
+          <a:bodyPr vert="horz" lIns="91440" tIns="45720" rIns="91440" bIns="45720" rtlCol="0">
+            <a:normAutofit/>
+          </a:bodyPr>
+          <a:lstStyle>
+            <a:lvl1pPr marL="0" indent="0" algn="ctr" defTabSz="914400" rtl="0" eaLnBrk="1" latinLnBrk="0" hangingPunct="1">
+              <a:spcBef>
+                <a:spcPct val="20000"/>
+              </a:spcBef>
+              <a:buClr>
+                <a:schemeClr val="accent1"/>
+              </a:buClr>
+              <a:buSzPct val="85000"/>
+              <a:buFont typeface="Arial" pitchFamily="34" charset="0"/>
+              <a:buNone/>
+              <a:defRPr sz="2400" kern="1200">
+                <a:solidFill>
+                  <a:schemeClr val="tx1">
+                    <a:lumMod val="75000"/>
+                    <a:lumOff val="25000"/>
+                  </a:schemeClr>
+                </a:solidFill>
+                <a:latin typeface="+mn-lt"/>
+                <a:ea typeface="+mn-ea"/>
+                <a:cs typeface="+mn-cs"/>
+              </a:defRPr>
+            </a:lvl1pPr>
+            <a:lvl2pPr marL="457200" indent="0" algn="ctr" defTabSz="914400" rtl="0" eaLnBrk="1" latinLnBrk="0" hangingPunct="1">
+              <a:spcBef>
+                <a:spcPct val="20000"/>
+              </a:spcBef>
+              <a:buClr>
+                <a:schemeClr val="accent1"/>
+              </a:buClr>
+              <a:buSzPct val="85000"/>
+              <a:buFont typeface="Arial" pitchFamily="34" charset="0"/>
+              <a:buNone/>
+              <a:defRPr sz="2000" kern="1200">
+                <a:solidFill>
+                  <a:schemeClr val="tx1">
+                    <a:tint val="75000"/>
+                  </a:schemeClr>
+                </a:solidFill>
+                <a:latin typeface="+mn-lt"/>
+                <a:ea typeface="+mn-ea"/>
+                <a:cs typeface="+mn-cs"/>
+              </a:defRPr>
+            </a:lvl2pPr>
+            <a:lvl3pPr marL="914400" indent="0" algn="ctr" defTabSz="914400" rtl="0" eaLnBrk="1" latinLnBrk="0" hangingPunct="1">
+              <a:spcBef>
+                <a:spcPct val="20000"/>
+              </a:spcBef>
+              <a:buClr>
+                <a:schemeClr val="accent1"/>
+              </a:buClr>
+              <a:buSzPct val="90000"/>
+              <a:buFont typeface="Arial" pitchFamily="34" charset="0"/>
+              <a:buNone/>
+              <a:defRPr sz="1800" kern="1200">
+                <a:solidFill>
+                  <a:schemeClr val="tx1">
+                    <a:tint val="75000"/>
+                  </a:schemeClr>
+                </a:solidFill>
+                <a:latin typeface="+mn-lt"/>
+                <a:ea typeface="+mn-ea"/>
+                <a:cs typeface="+mn-cs"/>
+              </a:defRPr>
+            </a:lvl3pPr>
+            <a:lvl4pPr marL="1371600" indent="0" algn="ctr" defTabSz="914400" rtl="0" eaLnBrk="1" latinLnBrk="0" hangingPunct="1">
+              <a:spcBef>
+                <a:spcPct val="20000"/>
+              </a:spcBef>
+              <a:buClr>
+                <a:schemeClr val="accent1"/>
+              </a:buClr>
+              <a:buFont typeface="Arial" pitchFamily="34" charset="0"/>
+              <a:buNone/>
+              <a:defRPr sz="1600" kern="1200">
+                <a:solidFill>
+                  <a:schemeClr val="tx1">
+                    <a:tint val="75000"/>
+                  </a:schemeClr>
+                </a:solidFill>
+                <a:latin typeface="+mn-lt"/>
+                <a:ea typeface="+mn-ea"/>
+                <a:cs typeface="+mn-cs"/>
+              </a:defRPr>
+            </a:lvl4pPr>
+            <a:lvl5pPr marL="1828800" indent="0" algn="ctr" defTabSz="914400" rtl="0" eaLnBrk="1" latinLnBrk="0" hangingPunct="1">
+              <a:spcBef>
+                <a:spcPct val="20000"/>
+              </a:spcBef>
+              <a:buClr>
+                <a:schemeClr val="accent1"/>
+              </a:buClr>
+              <a:buSzPct val="100000"/>
+              <a:buFont typeface="Arial" pitchFamily="34" charset="0"/>
+              <a:buNone/>
+              <a:defRPr sz="1400" kern="1200" baseline="0">
+                <a:solidFill>
+                  <a:schemeClr val="tx1">
+                    <a:tint val="75000"/>
+                  </a:schemeClr>
+                </a:solidFill>
+                <a:latin typeface="+mn-lt"/>
+                <a:ea typeface="+mn-ea"/>
+                <a:cs typeface="+mn-cs"/>
+              </a:defRPr>
+            </a:lvl5pPr>
+            <a:lvl6pPr marL="2286000" indent="0" algn="ctr" defTabSz="914400" rtl="0" eaLnBrk="1" latinLnBrk="0" hangingPunct="1">
+              <a:spcBef>
+                <a:spcPct val="20000"/>
+              </a:spcBef>
+              <a:buClr>
+                <a:schemeClr val="accent1"/>
+              </a:buClr>
+              <a:buFont typeface="Arial" pitchFamily="34" charset="0"/>
+              <a:buNone/>
+              <a:defRPr sz="1300" kern="1200">
+                <a:solidFill>
+                  <a:schemeClr val="tx1">
+                    <a:tint val="75000"/>
+                  </a:schemeClr>
+                </a:solidFill>
+                <a:latin typeface="+mn-lt"/>
+                <a:ea typeface="+mn-ea"/>
+                <a:cs typeface="+mn-cs"/>
+              </a:defRPr>
+            </a:lvl6pPr>
+            <a:lvl7pPr marL="2743200" indent="0" algn="ctr" defTabSz="914400" rtl="0" eaLnBrk="1" latinLnBrk="0" hangingPunct="1">
+              <a:spcBef>
+                <a:spcPct val="20000"/>
+              </a:spcBef>
+              <a:buClr>
+                <a:schemeClr val="accent1"/>
+              </a:buClr>
+              <a:buFont typeface="Arial" pitchFamily="34" charset="0"/>
+              <a:buNone/>
+              <a:defRPr sz="1300" kern="1200">
+                <a:solidFill>
+                  <a:schemeClr val="tx1">
+                    <a:tint val="75000"/>
+                  </a:schemeClr>
+                </a:solidFill>
+                <a:latin typeface="+mn-lt"/>
+                <a:ea typeface="+mn-ea"/>
+                <a:cs typeface="+mn-cs"/>
+              </a:defRPr>
+            </a:lvl7pPr>
+            <a:lvl8pPr marL="3200400" indent="0" algn="ctr" defTabSz="914400" rtl="0" eaLnBrk="1" latinLnBrk="0" hangingPunct="1">
+              <a:spcBef>
+                <a:spcPct val="20000"/>
+              </a:spcBef>
+              <a:buClr>
+                <a:schemeClr val="accent1"/>
+              </a:buClr>
+              <a:buFont typeface="Arial" pitchFamily="34" charset="0"/>
+              <a:buNone/>
+              <a:defRPr sz="1300" kern="1200">
+                <a:solidFill>
+                  <a:schemeClr val="tx1">
+                    <a:tint val="75000"/>
+                  </a:schemeClr>
+                </a:solidFill>
+                <a:latin typeface="+mn-lt"/>
+                <a:ea typeface="+mn-ea"/>
+                <a:cs typeface="+mn-cs"/>
+              </a:defRPr>
+            </a:lvl8pPr>
+            <a:lvl9pPr marL="3657600" indent="0" algn="ctr" defTabSz="914400" rtl="0" eaLnBrk="1" latinLnBrk="0" hangingPunct="1">
+              <a:spcBef>
+                <a:spcPct val="20000"/>
+              </a:spcBef>
+              <a:buClr>
+                <a:schemeClr val="accent1"/>
+              </a:buClr>
+              <a:buFont typeface="Arial" pitchFamily="34" charset="0"/>
+              <a:buNone/>
+              <a:defRPr sz="1300" kern="1200">
+                <a:solidFill>
+                  <a:schemeClr val="tx1">
+                    <a:tint val="75000"/>
+                  </a:schemeClr>
+                </a:solidFill>
+                <a:latin typeface="+mn-lt"/>
+                <a:ea typeface="+mn-ea"/>
+                <a:cs typeface="+mn-cs"/>
+              </a:defRPr>
+            </a:lvl9pPr>
+          </a:lstStyle>
+          <a:p>
+            <a:fld id="{B07CD00D-ECE2-B341-910C-3E5E7B4740E6}" type="datetime4">
+              <a:rPr lang="en-US" smtClean="0">
+                <a:latin typeface="Times New Roman"/>
+                <a:cs typeface="Times New Roman"/>
+              </a:rPr>
+              <a:t>September 10, 2014</a:t>
+            </a:fld>
+            <a:endParaRPr lang="en-US" dirty="0">
+              <a:latin typeface="Times New Roman"/>
+              <a:cs typeface="Times New Roman"/>
+            </a:endParaRPr>
+          </a:p>
+        </p:txBody>
+      </p:sp>
+      <p:sp>
+        <p:nvSpPr>
+          <p:cNvPr id="14" name="Content Placeholder 13"/>
+          <p:cNvSpPr>
+            <a:spLocks noGrp="1"/>
+          </p:cNvSpPr>
+          <p:nvPr>
+            <p:ph sz="quarter" idx="13"/>
+          </p:nvPr>
+        </p:nvSpPr>
+        <p:spPr>
+          <a:xfrm>
+            <a:off x="1404938" y="3700463"/>
+            <a:ext cx="6400800" cy="1073150"/>
+          </a:xfrm>
+        </p:spPr>
+        <p:txBody>
+          <a:bodyPr>
+            <a:normAutofit/>
+          </a:bodyPr>
+          <a:lstStyle>
+            <a:lvl1pPr marL="0" indent="0" algn="ctr">
+              <a:buNone/>
+              <a:defRPr sz="1800"/>
+            </a:lvl1pPr>
+            <a:lvl2pPr marL="274320" indent="0">
+              <a:buNone/>
+              <a:defRPr/>
+            </a:lvl2pPr>
+            <a:lvl3pPr marL="548640" indent="0">
+              <a:buNone/>
+              <a:defRPr/>
+            </a:lvl3pPr>
+            <a:lvl4pPr marL="822960" indent="0">
+              <a:buNone/>
+              <a:defRPr/>
+            </a:lvl4pPr>
+            <a:lvl5pPr marL="1051560" indent="0">
+              <a:buNone/>
+              <a:defRPr/>
+            </a:lvl5pPr>
+          </a:lstStyle>
+          <a:p>
+            <a:pPr lvl="0"/>
+            <a:r>
+              <a:rPr lang="en-US" dirty="0" smtClean="0"/>
+              <a:t>Click to edit Master text styles</a:t>
+            </a:r>
+            <a:endParaRPr lang="en-US" dirty="0"/>
+          </a:p>
+        </p:txBody>
+      </p:sp>
+    </p:spTree>
+  </p:cSld>
+  <p:clrMapOvr>
+    <a:masterClrMapping/>
+  </p:clrMapOvr>
+</p:sldLayout>
+</file>
+
+<file path=ppt/slideLayouts/slideLayout15.xml><?xml version="1.0" encoding="utf-8"?>
+<p:sldLayout xmlns:a="http://schemas.openxmlformats.org/drawingml/2006/main" xmlns:r="http://schemas.openxmlformats.org/officeDocument/2006/relationships" xmlns:p="http://schemas.openxmlformats.org/presentationml/2006/main" preserve="1" userDrawn="1">
+  <p:cSld name="1_Custom Layout">
+    <p:spTree>
+      <p:nvGrpSpPr>
+        <p:cNvPr id="1" name=""/>
+        <p:cNvGrpSpPr/>
+        <p:nvPr/>
+      </p:nvGrpSpPr>
+      <p:grpSpPr>
+        <a:xfrm>
+          <a:off x="0" y="0"/>
+          <a:ext cx="0" cy="0"/>
+          <a:chOff x="0" y="0"/>
+          <a:chExt cx="0" cy="0"/>
+        </a:xfrm>
+      </p:grpSpPr>
+      <p:sp>
+        <p:nvSpPr>
+          <p:cNvPr id="2" name="Title 1"/>
+          <p:cNvSpPr>
+            <a:spLocks noGrp="1"/>
+          </p:cNvSpPr>
+          <p:nvPr>
+            <p:ph type="title"/>
+          </p:nvPr>
+        </p:nvSpPr>
+        <p:spPr/>
+        <p:txBody>
+          <a:bodyPr/>
+          <a:lstStyle/>
+          <a:p>
+            <a:r>
+              <a:rPr lang="en-US" smtClean="0"/>
+              <a:t>Click to edit Master title style</a:t>
+            </a:r>
+            <a:endParaRPr lang="en-US"/>
+          </a:p>
+        </p:txBody>
+      </p:sp>
+      <p:sp>
+        <p:nvSpPr>
+          <p:cNvPr id="3" name="Date Placeholder 2"/>
+          <p:cNvSpPr>
+            <a:spLocks noGrp="1"/>
+          </p:cNvSpPr>
+          <p:nvPr>
+            <p:ph type="dt" sz="half" idx="10"/>
+          </p:nvPr>
+        </p:nvSpPr>
+        <p:spPr/>
+        <p:txBody>
+          <a:bodyPr/>
+          <a:lstStyle/>
+          <a:p>
+            <a:fld id="{BD5AFB16-13FE-DF4A-8CB7-09756A57B2EA}" type="datetime2">
+              <a:rPr lang="en-US" smtClean="0"/>
+              <a:t>Wednesday, September 10, 14</a:t>
+            </a:fld>
+            <a:endParaRPr lang="en-US" dirty="0"/>
+          </a:p>
+        </p:txBody>
+      </p:sp>
+      <p:sp>
+        <p:nvSpPr>
+          <p:cNvPr id="4" name="Footer Placeholder 3"/>
+          <p:cNvSpPr>
+            <a:spLocks noGrp="1"/>
+          </p:cNvSpPr>
+          <p:nvPr>
+            <p:ph type="ftr" sz="quarter" idx="11"/>
+          </p:nvPr>
+        </p:nvSpPr>
+        <p:spPr/>
+        <p:txBody>
+          <a:bodyPr/>
+          <a:lstStyle/>
+          <a:p>
+            <a:pPr algn="r"/>
+            <a:r>
+              <a:rPr lang="en-US" smtClean="0"/>
+              <a:t>Sanjay Kalé and PPL (UIUC) – Parallel Migratable Objects </a:t>
+            </a:r>
+            <a:endParaRPr lang="en-US" dirty="0"/>
+          </a:p>
+        </p:txBody>
+      </p:sp>
+      <p:sp>
+        <p:nvSpPr>
+          <p:cNvPr id="5" name="Slide Number Placeholder 4"/>
+          <p:cNvSpPr>
+            <a:spLocks noGrp="1"/>
+          </p:cNvSpPr>
+          <p:nvPr>
+            <p:ph type="sldNum" sz="quarter" idx="12"/>
+          </p:nvPr>
+        </p:nvSpPr>
+        <p:spPr/>
+        <p:txBody>
+          <a:bodyPr/>
+          <a:lstStyle/>
+          <a:p>
+            <a:fld id="{0CFEC368-1D7A-4F81-ABF6-AE0E36BAF64C}" type="slidenum">
+              <a:rPr lang="en-US" smtClean="0"/>
+              <a:pPr/>
+              <a:t>‹#›</a:t>
+            </a:fld>
+            <a:endParaRPr lang="en-US" dirty="0"/>
+          </a:p>
+        </p:txBody>
+      </p:sp>
+      <p:sp>
+        <p:nvSpPr>
+          <p:cNvPr id="7" name="Content Placeholder 6"/>
+          <p:cNvSpPr>
+            <a:spLocks noGrp="1"/>
+          </p:cNvSpPr>
+          <p:nvPr>
+            <p:ph sz="quarter" idx="13"/>
+          </p:nvPr>
+        </p:nvSpPr>
+        <p:spPr>
+          <a:xfrm>
+            <a:off x="457200" y="909977"/>
+            <a:ext cx="8229600" cy="1118512"/>
+          </a:xfrm>
+        </p:spPr>
+        <p:txBody>
+          <a:bodyPr/>
+          <a:lstStyle/>
+          <a:p>
+            <a:pPr lvl="0"/>
+            <a:r>
+              <a:rPr lang="en-US" dirty="0" smtClean="0"/>
+              <a:t>Click to edit Master text styles</a:t>
+            </a:r>
+          </a:p>
+          <a:p>
+            <a:pPr lvl="1"/>
+            <a:r>
+              <a:rPr lang="en-US" dirty="0" smtClean="0"/>
+              <a:t>Second level</a:t>
+            </a:r>
+          </a:p>
+          <a:p>
+            <a:pPr lvl="2"/>
+            <a:r>
+              <a:rPr lang="en-US" dirty="0" smtClean="0"/>
+              <a:t>Third level</a:t>
+            </a:r>
+          </a:p>
+          <a:p>
+            <a:pPr lvl="3"/>
+            <a:r>
+              <a:rPr lang="en-US" dirty="0" smtClean="0"/>
+              <a:t>Fourth level</a:t>
+            </a:r>
+          </a:p>
+          <a:p>
+            <a:pPr lvl="4"/>
+            <a:r>
+              <a:rPr lang="en-US" dirty="0" smtClean="0"/>
+              <a:t>Fifth level</a:t>
+            </a:r>
+            <a:endParaRPr lang="en-US" dirty="0"/>
+          </a:p>
+        </p:txBody>
+      </p:sp>
+      <p:sp>
+        <p:nvSpPr>
+          <p:cNvPr id="9" name="Content Placeholder 8"/>
+          <p:cNvSpPr>
+            <a:spLocks noGrp="1"/>
+          </p:cNvSpPr>
+          <p:nvPr>
+            <p:ph sz="quarter" idx="14"/>
+          </p:nvPr>
+        </p:nvSpPr>
+        <p:spPr>
+          <a:xfrm>
+            <a:off x="457200" y="2198574"/>
+            <a:ext cx="8229600" cy="1119049"/>
+          </a:xfrm>
+        </p:spPr>
+        <p:txBody>
+          <a:bodyPr/>
+          <a:lstStyle/>
+          <a:p>
+            <a:pPr lvl="0"/>
+            <a:r>
+              <a:rPr lang="en-US" dirty="0" smtClean="0"/>
+              <a:t>Click to edit Master text styles</a:t>
+            </a:r>
+          </a:p>
+          <a:p>
+            <a:pPr lvl="1"/>
+            <a:r>
+              <a:rPr lang="en-US" dirty="0" smtClean="0"/>
+              <a:t>Second level</a:t>
+            </a:r>
+          </a:p>
+          <a:p>
+            <a:pPr lvl="2"/>
+            <a:r>
+              <a:rPr lang="en-US" dirty="0" smtClean="0"/>
+              <a:t>Third level</a:t>
+            </a:r>
+          </a:p>
+          <a:p>
+            <a:pPr lvl="3"/>
+            <a:r>
+              <a:rPr lang="en-US" dirty="0" smtClean="0"/>
+              <a:t>Fourth level</a:t>
+            </a:r>
+          </a:p>
+          <a:p>
+            <a:pPr lvl="4"/>
+            <a:r>
+              <a:rPr lang="en-US" dirty="0" smtClean="0"/>
+              <a:t>Fifth level</a:t>
+            </a:r>
+            <a:endParaRPr lang="en-US" dirty="0"/>
+          </a:p>
+        </p:txBody>
+      </p:sp>
+      <p:sp>
+        <p:nvSpPr>
+          <p:cNvPr id="11" name="Content Placeholder 10"/>
+          <p:cNvSpPr>
+            <a:spLocks noGrp="1"/>
+          </p:cNvSpPr>
+          <p:nvPr>
+            <p:ph sz="quarter" idx="15"/>
+          </p:nvPr>
+        </p:nvSpPr>
+        <p:spPr>
+          <a:xfrm>
+            <a:off x="457200" y="3583427"/>
+            <a:ext cx="8229600" cy="1136650"/>
+          </a:xfrm>
+        </p:spPr>
+        <p:txBody>
+          <a:bodyPr/>
+          <a:lstStyle/>
+          <a:p>
+            <a:pPr lvl="0"/>
+            <a:r>
+              <a:rPr lang="en-US" smtClean="0"/>
+              <a:t>Click to edit Master text styles</a:t>
+            </a:r>
+          </a:p>
+          <a:p>
+            <a:pPr lvl="1"/>
+            <a:r>
+              <a:rPr lang="en-US" smtClean="0"/>
+              <a:t>Second level</a:t>
+            </a:r>
+          </a:p>
+          <a:p>
+            <a:pPr lvl="2"/>
+            <a:r>
+              <a:rPr lang="en-US" smtClean="0"/>
+              <a:t>Third level</a:t>
+            </a:r>
+          </a:p>
+          <a:p>
+            <a:pPr lvl="3"/>
+            <a:r>
+              <a:rPr lang="en-US" smtClean="0"/>
+              <a:t>Fourth level</a:t>
+            </a:r>
+          </a:p>
+          <a:p>
+            <a:pPr lvl="4"/>
+            <a:r>
+              <a:rPr lang="en-US" smtClean="0"/>
+              <a:t>Fifth level</a:t>
+            </a:r>
+            <a:endParaRPr lang="en-US"/>
+          </a:p>
+        </p:txBody>
+      </p:sp>
+      <p:sp>
+        <p:nvSpPr>
+          <p:cNvPr id="13" name="Content Placeholder 12"/>
+          <p:cNvSpPr>
+            <a:spLocks noGrp="1"/>
+          </p:cNvSpPr>
+          <p:nvPr>
+            <p:ph sz="quarter" idx="16"/>
+          </p:nvPr>
+        </p:nvSpPr>
+        <p:spPr>
+          <a:xfrm>
+            <a:off x="457200" y="5043465"/>
+            <a:ext cx="8229600" cy="1136791"/>
+          </a:xfrm>
+        </p:spPr>
+        <p:txBody>
+          <a:bodyPr/>
+          <a:lstStyle/>
+          <a:p>
+            <a:pPr lvl="0"/>
+            <a:r>
+              <a:rPr lang="en-US" smtClean="0"/>
+              <a:t>Click to edit Master text styles</a:t>
+            </a:r>
+          </a:p>
+          <a:p>
+            <a:pPr lvl="1"/>
+            <a:r>
+              <a:rPr lang="en-US" smtClean="0"/>
+              <a:t>Second level</a:t>
+            </a:r>
+          </a:p>
+          <a:p>
+            <a:pPr lvl="2"/>
+            <a:r>
+              <a:rPr lang="en-US" smtClean="0"/>
+              <a:t>Third level</a:t>
+            </a:r>
+          </a:p>
+          <a:p>
+            <a:pPr lvl="3"/>
+            <a:r>
+              <a:rPr lang="en-US" smtClean="0"/>
+              <a:t>Fourth level</a:t>
+            </a:r>
+          </a:p>
+          <a:p>
+            <a:pPr lvl="4"/>
+            <a:r>
+              <a:rPr lang="en-US" smtClean="0"/>
+              <a:t>Fifth level</a:t>
+            </a:r>
+            <a:endParaRPr lang="en-US"/>
+          </a:p>
+        </p:txBody>
+      </p:sp>
+    </p:spTree>
+    <p:extLst>
+      <p:ext uri="{BB962C8B-B14F-4D97-AF65-F5344CB8AC3E}">
+        <p14:creationId xmlns:p14="http://schemas.microsoft.com/office/powerpoint/2010/main" val="596550497"/>
+      </p:ext>
+    </p:extLst>
+  </p:cSld>
+  <p:clrMapOvr>
+    <a:masterClrMapping/>
+  </p:clrMapOvr>
+</p:sldLayout>
+</file>
+
+<file path=ppt/slideLayouts/slideLayout16.xml><?xml version="1.0" encoding="utf-8"?>
+<p:sldLayout xmlns:a="http://schemas.openxmlformats.org/drawingml/2006/main" xmlns:r="http://schemas.openxmlformats.org/officeDocument/2006/relationships" xmlns:p="http://schemas.openxmlformats.org/presentationml/2006/main" preserve="1" userDrawn="1">
+  <p:cSld name="2_Two Content">
+    <p:spTree>
+      <p:nvGrpSpPr>
+        <p:cNvPr id="1" name=""/>
+        <p:cNvGrpSpPr/>
+        <p:nvPr/>
+      </p:nvGrpSpPr>
+      <p:grpSpPr>
+        <a:xfrm>
+          <a:off x="0" y="0"/>
+          <a:ext cx="0" cy="0"/>
+          <a:chOff x="0" y="0"/>
+          <a:chExt cx="0" cy="0"/>
+        </a:xfrm>
+      </p:grpSpPr>
+      <p:sp>
+        <p:nvSpPr>
+          <p:cNvPr id="2" name="Title 1"/>
+          <p:cNvSpPr>
+            <a:spLocks noGrp="1"/>
+          </p:cNvSpPr>
+          <p:nvPr>
+            <p:ph type="title"/>
+          </p:nvPr>
+        </p:nvSpPr>
+        <p:spPr/>
+        <p:txBody>
+          <a:bodyPr/>
+          <a:lstStyle/>
+          <a:p>
+            <a:r>
+              <a:rPr lang="en-US" dirty="0" smtClean="0"/>
+              <a:t>Click to edit Master title style</a:t>
+            </a:r>
+            <a:endParaRPr lang="en-US" dirty="0"/>
+          </a:p>
+        </p:txBody>
+      </p:sp>
+      <p:sp>
+        <p:nvSpPr>
+          <p:cNvPr id="3" name="Content Placeholder 2"/>
+          <p:cNvSpPr>
+            <a:spLocks noGrp="1"/>
+          </p:cNvSpPr>
+          <p:nvPr>
+            <p:ph sz="half" idx="1"/>
+          </p:nvPr>
+        </p:nvSpPr>
+        <p:spPr>
+          <a:xfrm>
+            <a:off x="457200" y="935846"/>
+            <a:ext cx="4038600" cy="3140187"/>
+          </a:xfrm>
+        </p:spPr>
+        <p:txBody>
+          <a:bodyPr/>
+          <a:lstStyle>
+            <a:lvl1pPr>
+              <a:defRPr sz="2800"/>
+            </a:lvl1pPr>
+            <a:lvl2pPr>
+              <a:defRPr sz="2400"/>
+            </a:lvl2pPr>
+            <a:lvl3pPr>
+              <a:defRPr sz="2000"/>
+            </a:lvl3pPr>
+            <a:lvl4pPr>
+              <a:defRPr sz="1800"/>
+            </a:lvl4pPr>
+            <a:lvl5pPr>
+              <a:defRPr sz="1800"/>
+            </a:lvl5pPr>
+            <a:lvl6pPr>
+              <a:defRPr sz="1800"/>
+            </a:lvl6pPr>
+            <a:lvl7pPr>
+              <a:defRPr sz="1800"/>
+            </a:lvl7pPr>
+            <a:lvl8pPr>
+              <a:defRPr sz="1800"/>
+            </a:lvl8pPr>
+            <a:lvl9pPr>
+              <a:defRPr sz="1800"/>
+            </a:lvl9pPr>
+          </a:lstStyle>
+          <a:p>
+            <a:pPr lvl="0"/>
+            <a:r>
+              <a:rPr lang="en-US" dirty="0" smtClean="0"/>
+              <a:t>Click to edit Master text styles</a:t>
+            </a:r>
+          </a:p>
+          <a:p>
+            <a:pPr lvl="1"/>
+            <a:r>
+              <a:rPr lang="en-US" dirty="0" smtClean="0"/>
+              <a:t>Second level</a:t>
+            </a:r>
+          </a:p>
+          <a:p>
+            <a:pPr lvl="2"/>
+            <a:r>
+              <a:rPr lang="en-US" dirty="0" smtClean="0"/>
+              <a:t>Third level</a:t>
+            </a:r>
+          </a:p>
+          <a:p>
+            <a:pPr lvl="3"/>
+            <a:r>
+              <a:rPr lang="en-US" dirty="0" smtClean="0"/>
+              <a:t>Fourth level</a:t>
+            </a:r>
+          </a:p>
+          <a:p>
+            <a:pPr lvl="4"/>
+            <a:r>
+              <a:rPr lang="en-US" dirty="0" smtClean="0"/>
+              <a:t>Fifth level</a:t>
+            </a:r>
+            <a:endParaRPr lang="en-US" dirty="0"/>
+          </a:p>
+        </p:txBody>
+      </p:sp>
+      <p:sp>
+        <p:nvSpPr>
+          <p:cNvPr id="4" name="Content Placeholder 3"/>
+          <p:cNvSpPr>
+            <a:spLocks noGrp="1"/>
+          </p:cNvSpPr>
+          <p:nvPr>
+            <p:ph sz="half" idx="2"/>
+          </p:nvPr>
+        </p:nvSpPr>
+        <p:spPr>
+          <a:xfrm>
+            <a:off x="4648200" y="935846"/>
+            <a:ext cx="4038600" cy="3140187"/>
+          </a:xfrm>
+        </p:spPr>
+        <p:txBody>
+          <a:bodyPr/>
+          <a:lstStyle>
+            <a:lvl1pPr>
+              <a:defRPr sz="2800"/>
+            </a:lvl1pPr>
+            <a:lvl2pPr>
+              <a:defRPr sz="2400"/>
+            </a:lvl2pPr>
+            <a:lvl3pPr>
+              <a:defRPr sz="2000"/>
+            </a:lvl3pPr>
+            <a:lvl4pPr>
+              <a:defRPr sz="1800"/>
+            </a:lvl4pPr>
+            <a:lvl5pPr>
+              <a:defRPr sz="1800"/>
+            </a:lvl5pPr>
+            <a:lvl6pPr>
+              <a:defRPr sz="1800"/>
+            </a:lvl6pPr>
+            <a:lvl7pPr>
+              <a:defRPr sz="1800"/>
+            </a:lvl7pPr>
+            <a:lvl8pPr>
+              <a:defRPr sz="1800"/>
+            </a:lvl8pPr>
+            <a:lvl9pPr>
+              <a:defRPr sz="1800"/>
+            </a:lvl9pPr>
+          </a:lstStyle>
+          <a:p>
+            <a:pPr lvl="0"/>
+            <a:r>
+              <a:rPr lang="en-US" dirty="0" smtClean="0"/>
+              <a:t>Click to edit Master text styles</a:t>
+            </a:r>
+          </a:p>
+          <a:p>
+            <a:pPr lvl="1"/>
+            <a:r>
+              <a:rPr lang="en-US" dirty="0" smtClean="0"/>
+              <a:t>Second level</a:t>
+            </a:r>
+          </a:p>
+          <a:p>
+            <a:pPr lvl="2"/>
+            <a:r>
+              <a:rPr lang="en-US" dirty="0" smtClean="0"/>
+              <a:t>Third level</a:t>
+            </a:r>
+          </a:p>
+          <a:p>
+            <a:pPr lvl="3"/>
+            <a:r>
+              <a:rPr lang="en-US" dirty="0" smtClean="0"/>
+              <a:t>Fourth level</a:t>
+            </a:r>
+          </a:p>
+          <a:p>
+            <a:pPr lvl="4"/>
+            <a:r>
+              <a:rPr lang="en-US" dirty="0" smtClean="0"/>
+              <a:t>Fifth level</a:t>
+            </a:r>
+            <a:endParaRPr lang="en-US" dirty="0"/>
+          </a:p>
+        </p:txBody>
+      </p:sp>
+      <p:sp>
+        <p:nvSpPr>
+          <p:cNvPr id="5" name="Date Placeholder 4"/>
+          <p:cNvSpPr>
+            <a:spLocks noGrp="1"/>
+          </p:cNvSpPr>
+          <p:nvPr>
+            <p:ph type="dt" sz="half" idx="10"/>
+          </p:nvPr>
+        </p:nvSpPr>
+        <p:spPr/>
+        <p:txBody>
+          <a:bodyPr/>
+          <a:lstStyle>
+            <a:lvl1pPr>
+              <a:defRPr>
+                <a:latin typeface="Times New Roman"/>
+                <a:cs typeface="Times New Roman"/>
+              </a:defRPr>
+            </a:lvl1pPr>
+          </a:lstStyle>
+          <a:p>
+            <a:fld id="{30545249-FD76-6844-B252-CAB05FC2DAA8}" type="datetime2">
+              <a:rPr lang="en-US" smtClean="0"/>
+              <a:t>Wednesday, September 10, 14</a:t>
+            </a:fld>
+            <a:endParaRPr lang="en-US" dirty="0"/>
+          </a:p>
+        </p:txBody>
+      </p:sp>
+      <p:sp>
+        <p:nvSpPr>
+          <p:cNvPr id="6" name="Footer Placeholder 5"/>
+          <p:cNvSpPr>
+            <a:spLocks noGrp="1"/>
+          </p:cNvSpPr>
+          <p:nvPr>
+            <p:ph type="ftr" sz="quarter" idx="11"/>
+          </p:nvPr>
+        </p:nvSpPr>
+        <p:spPr/>
+        <p:txBody>
+          <a:bodyPr/>
+          <a:lstStyle>
+            <a:lvl1pPr>
+              <a:defRPr>
+                <a:latin typeface="Times New Roman"/>
+                <a:cs typeface="Times New Roman"/>
+              </a:defRPr>
+            </a:lvl1pPr>
+          </a:lstStyle>
+          <a:p>
+            <a:pPr algn="r"/>
+            <a:r>
+              <a:rPr lang="en-US" smtClean="0"/>
+              <a:t>Sanjay Kalé and PPL (UIUC) – Parallel Migratable Objects </a:t>
+            </a:r>
+            <a:endParaRPr lang="en-US" dirty="0"/>
+          </a:p>
+        </p:txBody>
+      </p:sp>
+      <p:sp>
+        <p:nvSpPr>
+          <p:cNvPr id="7" name="Slide Number Placeholder 6"/>
+          <p:cNvSpPr>
+            <a:spLocks noGrp="1"/>
+          </p:cNvSpPr>
+          <p:nvPr>
+            <p:ph type="sldNum" sz="quarter" idx="12"/>
+          </p:nvPr>
+        </p:nvSpPr>
+        <p:spPr/>
+        <p:txBody>
+          <a:bodyPr/>
+          <a:lstStyle/>
+          <a:p>
+            <a:fld id="{0CFEC368-1D7A-4F81-ABF6-AE0E36BAF64C}" type="slidenum">
+              <a:rPr lang="en-US" smtClean="0"/>
+              <a:pPr/>
+              <a:t>‹#›</a:t>
+            </a:fld>
+            <a:endParaRPr lang="en-US" dirty="0"/>
+          </a:p>
+        </p:txBody>
+      </p:sp>
+      <p:sp>
+        <p:nvSpPr>
+          <p:cNvPr id="9" name="Content Placeholder 8"/>
+          <p:cNvSpPr>
+            <a:spLocks noGrp="1"/>
+          </p:cNvSpPr>
+          <p:nvPr>
+            <p:ph sz="quarter" idx="13"/>
+          </p:nvPr>
+        </p:nvSpPr>
+        <p:spPr>
+          <a:xfrm>
+            <a:off x="457200" y="4829213"/>
+            <a:ext cx="8229600" cy="1550950"/>
+          </a:xfrm>
+          <a:solidFill>
+            <a:schemeClr val="tx2">
+              <a:lumMod val="20000"/>
+              <a:lumOff val="80000"/>
+            </a:schemeClr>
+          </a:solidFill>
+          <a:ln>
+            <a:solidFill>
+              <a:schemeClr val="tx2"/>
+            </a:solidFill>
+          </a:ln>
+        </p:spPr>
+        <p:txBody>
+          <a:bodyPr/>
+          <a:lstStyle/>
+          <a:p>
+            <a:pPr lvl="0"/>
+            <a:r>
+              <a:rPr lang="en-US" dirty="0" smtClean="0"/>
+              <a:t>Click to edit Master text styles</a:t>
+            </a:r>
+          </a:p>
+          <a:p>
+            <a:pPr lvl="1"/>
+            <a:r>
+              <a:rPr lang="en-US" dirty="0" smtClean="0"/>
+              <a:t>Second level</a:t>
+            </a:r>
+          </a:p>
+          <a:p>
+            <a:pPr lvl="2"/>
+            <a:r>
+              <a:rPr lang="en-US" dirty="0" smtClean="0"/>
+              <a:t>Third level</a:t>
+            </a:r>
+          </a:p>
+          <a:p>
+            <a:pPr lvl="3"/>
+            <a:r>
+              <a:rPr lang="en-US" dirty="0" smtClean="0"/>
+              <a:t>Fourth level</a:t>
+            </a:r>
+          </a:p>
+          <a:p>
+            <a:pPr lvl="4"/>
+            <a:r>
+              <a:rPr lang="en-US" dirty="0" smtClean="0"/>
+              <a:t>Fifth level</a:t>
+            </a:r>
+            <a:endParaRPr lang="en-US" dirty="0"/>
+          </a:p>
+        </p:txBody>
+      </p:sp>
+      <p:sp>
+        <p:nvSpPr>
+          <p:cNvPr id="11" name="Text Placeholder 10"/>
+          <p:cNvSpPr>
+            <a:spLocks noGrp="1"/>
+          </p:cNvSpPr>
+          <p:nvPr>
+            <p:ph type="body" sz="quarter" idx="14"/>
+          </p:nvPr>
+        </p:nvSpPr>
+        <p:spPr>
+          <a:xfrm>
+            <a:off x="457200" y="4238625"/>
+            <a:ext cx="8229600" cy="590550"/>
+          </a:xfrm>
+          <a:solidFill>
+            <a:schemeClr val="tx2">
+              <a:lumMod val="40000"/>
+              <a:lumOff val="60000"/>
+            </a:schemeClr>
+          </a:solidFill>
+          <a:ln>
+            <a:solidFill>
+              <a:schemeClr val="tx2"/>
+            </a:solidFill>
+          </a:ln>
+        </p:spPr>
+        <p:txBody>
+          <a:bodyPr/>
+          <a:lstStyle>
+            <a:lvl1pPr marL="0" indent="0">
+              <a:buNone/>
+              <a:defRPr b="1"/>
+            </a:lvl1pPr>
+          </a:lstStyle>
+          <a:p>
+            <a:pPr lvl="0"/>
+            <a:r>
+              <a:rPr lang="en-US" dirty="0" smtClean="0"/>
+              <a:t>Click to edit Master text styles</a:t>
+            </a:r>
+            <a:endParaRPr lang="en-US" dirty="0"/>
+          </a:p>
+        </p:txBody>
+      </p:sp>
+    </p:spTree>
+    <p:extLst>
+      <p:ext uri="{BB962C8B-B14F-4D97-AF65-F5344CB8AC3E}">
+        <p14:creationId xmlns:p14="http://schemas.microsoft.com/office/powerpoint/2010/main" val="707568992"/>
+      </p:ext>
+    </p:extLst>
   </p:cSld>
   <p:clrMapOvr>
     <a:masterClrMapping/>
@@ -2212,35 +3771,35 @@
           <a:p>
             <a:pPr lvl="0"/>
             <a:r>
-              <a:rPr lang="en-US" dirty="0" smtClean="0"/>
+              <a:rPr lang="en-US" smtClean="0"/>
               <a:t>Click to edit Master text styles</a:t>
             </a:r>
           </a:p>
           <a:p>
             <a:pPr lvl="1"/>
             <a:r>
-              <a:rPr lang="en-US" dirty="0" smtClean="0"/>
+              <a:rPr lang="en-US" smtClean="0"/>
               <a:t>Second level</a:t>
             </a:r>
           </a:p>
           <a:p>
             <a:pPr lvl="2"/>
             <a:r>
-              <a:rPr lang="en-US" dirty="0" smtClean="0"/>
+              <a:rPr lang="en-US" smtClean="0"/>
               <a:t>Third level</a:t>
             </a:r>
           </a:p>
           <a:p>
             <a:pPr lvl="3"/>
             <a:r>
-              <a:rPr lang="en-US" dirty="0" smtClean="0"/>
+              <a:rPr lang="en-US" smtClean="0"/>
               <a:t>Fourth level</a:t>
             </a:r>
           </a:p>
           <a:p>
             <a:pPr lvl="4"/>
             <a:r>
-              <a:rPr lang="en-US" dirty="0" smtClean="0"/>
+              <a:rPr lang="en-US" smtClean="0"/>
               <a:t>Fifth level</a:t>
             </a:r>
             <a:endParaRPr lang="en-US" dirty="0"/>
@@ -2264,7 +3823,7 @@
           <a:p>
             <a:fld id="{34621E95-60A9-FF44-9869-513D9D7A859F}" type="datetime2">
               <a:rPr lang="en-US" smtClean="0"/>
-              <a:t>Tuesday, September 9, 14</a:t>
+              <a:t>Wednesday, September 10, 14</a:t>
             </a:fld>
             <a:endParaRPr lang="en-US"/>
           </a:p>
@@ -2327,7 +3886,7 @@
 </file>
 
 <file path=ppt/slideLayouts/slideLayout3.xml><?xml version="1.0" encoding="utf-8"?>
-<p:sldLayout xmlns:a="http://schemas.openxmlformats.org/drawingml/2006/main" xmlns:r="http://schemas.openxmlformats.org/officeDocument/2006/relationships" xmlns:p="http://schemas.openxmlformats.org/presentationml/2006/main" preserve="1" userDrawn="1">
+<p:sldLayout xmlns:a="http://schemas.openxmlformats.org/drawingml/2006/main" xmlns:r="http://schemas.openxmlformats.org/officeDocument/2006/relationships" xmlns:p="http://schemas.openxmlformats.org/presentationml/2006/main" preserve="1">
   <p:cSld name="Custom Layout">
     <p:spTree>
       <p:nvGrpSpPr>
@@ -2383,7 +3942,7 @@
           <a:p>
             <a:fld id="{BD5AFB16-13FE-DF4A-8CB7-09756A57B2EA}" type="datetime2">
               <a:rPr lang="en-US" smtClean="0"/>
-              <a:t>Tuesday, September 9, 14</a:t>
+              <a:t>Wednesday, September 10, 14</a:t>
             </a:fld>
             <a:endParaRPr lang="en-US" dirty="0"/>
           </a:p>
@@ -2449,8 +4008,8 @@
         </p:nvSpPr>
         <p:spPr>
           <a:xfrm>
-            <a:off x="457200" y="909977"/>
-            <a:ext cx="8229600" cy="1118512"/>
+            <a:off x="261865" y="909977"/>
+            <a:ext cx="8615360" cy="1118512"/>
           </a:xfrm>
         </p:spPr>
         <p:txBody>
@@ -2459,35 +4018,35 @@
           <a:p>
             <a:pPr lvl="0"/>
             <a:r>
-              <a:rPr lang="en-US" dirty="0" smtClean="0"/>
+              <a:rPr lang="en-US" smtClean="0"/>
               <a:t>Click to edit Master text styles</a:t>
             </a:r>
           </a:p>
           <a:p>
             <a:pPr lvl="1"/>
             <a:r>
-              <a:rPr lang="en-US" dirty="0" smtClean="0"/>
+              <a:rPr lang="en-US" smtClean="0"/>
               <a:t>Second level</a:t>
             </a:r>
           </a:p>
           <a:p>
             <a:pPr lvl="2"/>
             <a:r>
-              <a:rPr lang="en-US" dirty="0" smtClean="0"/>
+              <a:rPr lang="en-US" smtClean="0"/>
               <a:t>Third level</a:t>
             </a:r>
           </a:p>
           <a:p>
             <a:pPr lvl="3"/>
             <a:r>
-              <a:rPr lang="en-US" dirty="0" smtClean="0"/>
+              <a:rPr lang="en-US" smtClean="0"/>
               <a:t>Fourth level</a:t>
             </a:r>
           </a:p>
           <a:p>
             <a:pPr lvl="4"/>
             <a:r>
-              <a:rPr lang="en-US" dirty="0" smtClean="0"/>
+              <a:rPr lang="en-US" smtClean="0"/>
               <a:t>Fifth level</a:t>
             </a:r>
             <a:endParaRPr lang="en-US" dirty="0"/>
@@ -2506,8 +4065,8 @@
         </p:nvSpPr>
         <p:spPr>
           <a:xfrm>
-            <a:off x="457200" y="2198574"/>
-            <a:ext cx="8229600" cy="1119049"/>
+            <a:off x="261865" y="2198574"/>
+            <a:ext cx="8615360" cy="1119049"/>
           </a:xfrm>
         </p:spPr>
         <p:txBody>
@@ -2516,35 +4075,35 @@
           <a:p>
             <a:pPr lvl="0"/>
             <a:r>
-              <a:rPr lang="en-US" dirty="0" smtClean="0"/>
+              <a:rPr lang="en-US" smtClean="0"/>
               <a:t>Click to edit Master text styles</a:t>
             </a:r>
           </a:p>
           <a:p>
             <a:pPr lvl="1"/>
             <a:r>
-              <a:rPr lang="en-US" dirty="0" smtClean="0"/>
+              <a:rPr lang="en-US" smtClean="0"/>
               <a:t>Second level</a:t>
             </a:r>
           </a:p>
           <a:p>
             <a:pPr lvl="2"/>
             <a:r>
-              <a:rPr lang="en-US" dirty="0" smtClean="0"/>
+              <a:rPr lang="en-US" smtClean="0"/>
               <a:t>Third level</a:t>
             </a:r>
           </a:p>
           <a:p>
             <a:pPr lvl="3"/>
             <a:r>
-              <a:rPr lang="en-US" dirty="0" smtClean="0"/>
+              <a:rPr lang="en-US" smtClean="0"/>
               <a:t>Fourth level</a:t>
             </a:r>
           </a:p>
           <a:p>
             <a:pPr lvl="4"/>
             <a:r>
-              <a:rPr lang="en-US" dirty="0" smtClean="0"/>
+              <a:rPr lang="en-US" smtClean="0"/>
               <a:t>Fifth level</a:t>
             </a:r>
             <a:endParaRPr lang="en-US" dirty="0"/>
@@ -2563,8 +4122,8 @@
         </p:nvSpPr>
         <p:spPr>
           <a:xfrm>
-            <a:off x="457200" y="3583427"/>
-            <a:ext cx="8229600" cy="1136650"/>
+            <a:off x="261865" y="3583427"/>
+            <a:ext cx="8615360" cy="1136650"/>
           </a:xfrm>
         </p:spPr>
         <p:txBody>
@@ -2604,7 +4163,7 @@
               <a:rPr lang="en-US" smtClean="0"/>
               <a:t>Fifth level</a:t>
             </a:r>
-            <a:endParaRPr lang="en-US"/>
+            <a:endParaRPr lang="en-US" dirty="0"/>
           </a:p>
         </p:txBody>
       </p:sp>
@@ -2620,8 +4179,8 @@
         </p:nvSpPr>
         <p:spPr>
           <a:xfrm>
-            <a:off x="457200" y="5043465"/>
-            <a:ext cx="8229600" cy="1136791"/>
+            <a:off x="261865" y="5043465"/>
+            <a:ext cx="8615360" cy="1136791"/>
           </a:xfrm>
         </p:spPr>
         <p:txBody>
@@ -2661,7 +4220,7 @@
               <a:rPr lang="en-US" smtClean="0"/>
               <a:t>Fifth level</a:t>
             </a:r>
-            <a:endParaRPr lang="en-US"/>
+            <a:endParaRPr lang="en-US" dirty="0"/>
           </a:p>
         </p:txBody>
       </p:sp>
@@ -2870,7 +4429,7 @@
           <a:p>
             <a:fld id="{1BDEC705-8EA9-6C46-8E3B-2CAC7E2C0F7D}" type="datetime2">
               <a:rPr lang="en-US" smtClean="0"/>
-              <a:t>Tuesday, September 9, 14</a:t>
+              <a:t>Wednesday, September 10, 14</a:t>
             </a:fld>
             <a:endParaRPr lang="en-US"/>
           </a:p>
@@ -3000,7 +4559,7 @@
           <a:lstStyle/>
           <a:p>
             <a:r>
-              <a:rPr lang="en-US" dirty="0" smtClean="0"/>
+              <a:rPr lang="en-US" smtClean="0"/>
               <a:t>Click to edit Master title style</a:t>
             </a:r>
             <a:endParaRPr lang="en-US" dirty="0"/>
@@ -3019,8 +4578,8 @@
         </p:nvSpPr>
         <p:spPr>
           <a:xfrm>
-            <a:off x="457200" y="935846"/>
-            <a:ext cx="4038600" cy="5455810"/>
+            <a:off x="261866" y="935846"/>
+            <a:ext cx="4114800" cy="5455810"/>
           </a:xfrm>
         </p:spPr>
         <p:txBody>
@@ -3057,35 +4616,35 @@
           <a:p>
             <a:pPr lvl="0"/>
             <a:r>
-              <a:rPr lang="en-US" dirty="0" smtClean="0"/>
+              <a:rPr lang="en-US" smtClean="0"/>
               <a:t>Click to edit Master text styles</a:t>
             </a:r>
           </a:p>
           <a:p>
             <a:pPr lvl="1"/>
             <a:r>
-              <a:rPr lang="en-US" dirty="0" smtClean="0"/>
+              <a:rPr lang="en-US" smtClean="0"/>
               <a:t>Second level</a:t>
             </a:r>
           </a:p>
           <a:p>
             <a:pPr lvl="2"/>
             <a:r>
-              <a:rPr lang="en-US" dirty="0" smtClean="0"/>
+              <a:rPr lang="en-US" smtClean="0"/>
               <a:t>Third level</a:t>
             </a:r>
           </a:p>
           <a:p>
             <a:pPr lvl="3"/>
             <a:r>
-              <a:rPr lang="en-US" dirty="0" smtClean="0"/>
+              <a:rPr lang="en-US" smtClean="0"/>
               <a:t>Fourth level</a:t>
             </a:r>
           </a:p>
           <a:p>
             <a:pPr lvl="4"/>
             <a:r>
-              <a:rPr lang="en-US" dirty="0" smtClean="0"/>
+              <a:rPr lang="en-US" smtClean="0"/>
               <a:t>Fifth level</a:t>
             </a:r>
             <a:endParaRPr lang="en-US" dirty="0"/>
@@ -3104,8 +4663,8 @@
         </p:nvSpPr>
         <p:spPr>
           <a:xfrm>
-            <a:off x="4648200" y="935846"/>
-            <a:ext cx="4038600" cy="5455810"/>
+            <a:off x="4737099" y="935846"/>
+            <a:ext cx="4140125" cy="5455810"/>
           </a:xfrm>
         </p:spPr>
         <p:txBody>
@@ -3142,35 +4701,35 @@
           <a:p>
             <a:pPr lvl="0"/>
             <a:r>
-              <a:rPr lang="en-US" dirty="0" smtClean="0"/>
+              <a:rPr lang="en-US" smtClean="0"/>
               <a:t>Click to edit Master text styles</a:t>
             </a:r>
           </a:p>
           <a:p>
             <a:pPr lvl="1"/>
             <a:r>
-              <a:rPr lang="en-US" dirty="0" smtClean="0"/>
+              <a:rPr lang="en-US" smtClean="0"/>
               <a:t>Second level</a:t>
             </a:r>
           </a:p>
           <a:p>
             <a:pPr lvl="2"/>
             <a:r>
-              <a:rPr lang="en-US" dirty="0" smtClean="0"/>
+              <a:rPr lang="en-US" smtClean="0"/>
               <a:t>Third level</a:t>
             </a:r>
           </a:p>
           <a:p>
             <a:pPr lvl="3"/>
             <a:r>
-              <a:rPr lang="en-US" dirty="0" smtClean="0"/>
+              <a:rPr lang="en-US" smtClean="0"/>
               <a:t>Fourth level</a:t>
             </a:r>
           </a:p>
           <a:p>
             <a:pPr lvl="4"/>
             <a:r>
-              <a:rPr lang="en-US" dirty="0" smtClean="0"/>
+              <a:rPr lang="en-US" smtClean="0"/>
               <a:t>Fifth level</a:t>
             </a:r>
             <a:endParaRPr lang="en-US" dirty="0"/>
@@ -3201,7 +4760,7 @@
           <a:p>
             <a:fld id="{BF613BD3-C5FD-9543-B738-679BF38D8C83}" type="datetime2">
               <a:rPr lang="en-US" smtClean="0"/>
-              <a:t>Tuesday, September 9, 14</a:t>
+              <a:t>Wednesday, September 10, 14</a:t>
             </a:fld>
             <a:endParaRPr lang="en-US" dirty="0"/>
           </a:p>
@@ -3326,8 +4885,8 @@
         </p:nvSpPr>
         <p:spPr>
           <a:xfrm>
-            <a:off x="457200" y="1676400"/>
-            <a:ext cx="3931920" cy="639762"/>
+            <a:off x="261865" y="914400"/>
+            <a:ext cx="4114800" cy="639762"/>
           </a:xfrm>
           <a:noFill/>
           <a:ln>
@@ -3414,8 +4973,8 @@
         </p:nvSpPr>
         <p:spPr>
           <a:xfrm>
-            <a:off x="457200" y="2438400"/>
-            <a:ext cx="3931920" cy="3951288"/>
+            <a:off x="261865" y="1714500"/>
+            <a:ext cx="4114800" cy="4675188"/>
           </a:xfrm>
         </p:spPr>
         <p:txBody>
@@ -3499,8 +5058,8 @@
         </p:nvSpPr>
         <p:spPr>
           <a:xfrm>
-            <a:off x="4754880" y="1676400"/>
-            <a:ext cx="3931920" cy="639762"/>
+            <a:off x="4737100" y="914400"/>
+            <a:ext cx="4140125" cy="639762"/>
           </a:xfrm>
           <a:noFill/>
           <a:ln>
@@ -3590,8 +5149,8 @@
         </p:nvSpPr>
         <p:spPr>
           <a:xfrm>
-            <a:off x="4754880" y="2438400"/>
-            <a:ext cx="3931920" cy="3951288"/>
+            <a:off x="4737100" y="1714500"/>
+            <a:ext cx="4140125" cy="4675188"/>
           </a:xfrm>
         </p:spPr>
         <p:txBody>
@@ -3680,7 +5239,7 @@
           <a:p>
             <a:fld id="{4B5E4F0C-9A9C-5448-99FD-D30288B385C9}" type="datetime2">
               <a:rPr lang="en-US" smtClean="0"/>
-              <a:t>Tuesday, September 9, 14</a:t>
+              <a:t>Wednesday, September 10, 14</a:t>
             </a:fld>
             <a:endParaRPr lang="en-US"/>
           </a:p>
@@ -3743,7 +5302,7 @@
 </file>
 
 <file path=ppt/slideLayouts/slideLayout7.xml><?xml version="1.0" encoding="utf-8"?>
-<p:sldLayout xmlns:a="http://schemas.openxmlformats.org/drawingml/2006/main" xmlns:r="http://schemas.openxmlformats.org/officeDocument/2006/relationships" xmlns:p="http://schemas.openxmlformats.org/presentationml/2006/main" preserve="1" userDrawn="1">
+<p:sldLayout xmlns:a="http://schemas.openxmlformats.org/drawingml/2006/main" xmlns:r="http://schemas.openxmlformats.org/officeDocument/2006/relationships" xmlns:p="http://schemas.openxmlformats.org/presentationml/2006/main" preserve="1">
   <p:cSld name="1_Two Content">
     <p:spTree>
       <p:nvGrpSpPr>
@@ -3775,7 +5334,7 @@
           <a:lstStyle/>
           <a:p>
             <a:r>
-              <a:rPr lang="en-US" dirty="0" smtClean="0"/>
+              <a:rPr lang="en-US" smtClean="0"/>
               <a:t>Click to edit Master title style</a:t>
             </a:r>
             <a:endParaRPr lang="en-US" dirty="0"/>
@@ -3794,8 +5353,8 @@
         </p:nvSpPr>
         <p:spPr>
           <a:xfrm>
-            <a:off x="457200" y="935846"/>
-            <a:ext cx="4038600" cy="3140187"/>
+            <a:off x="261866" y="935846"/>
+            <a:ext cx="4114800" cy="3140187"/>
           </a:xfrm>
         </p:spPr>
         <p:txBody>
@@ -3832,35 +5391,35 @@
           <a:p>
             <a:pPr lvl="0"/>
             <a:r>
-              <a:rPr lang="en-US" dirty="0" smtClean="0"/>
+              <a:rPr lang="en-US" smtClean="0"/>
               <a:t>Click to edit Master text styles</a:t>
             </a:r>
           </a:p>
           <a:p>
             <a:pPr lvl="1"/>
             <a:r>
-              <a:rPr lang="en-US" dirty="0" smtClean="0"/>
+              <a:rPr lang="en-US" smtClean="0"/>
               <a:t>Second level</a:t>
             </a:r>
           </a:p>
           <a:p>
             <a:pPr lvl="2"/>
             <a:r>
-              <a:rPr lang="en-US" dirty="0" smtClean="0"/>
+              <a:rPr lang="en-US" smtClean="0"/>
               <a:t>Third level</a:t>
             </a:r>
           </a:p>
           <a:p>
             <a:pPr lvl="3"/>
             <a:r>
-              <a:rPr lang="en-US" dirty="0" smtClean="0"/>
+              <a:rPr lang="en-US" smtClean="0"/>
               <a:t>Fourth level</a:t>
             </a:r>
           </a:p>
           <a:p>
             <a:pPr lvl="4"/>
             <a:r>
-              <a:rPr lang="en-US" dirty="0" smtClean="0"/>
+              <a:rPr lang="en-US" smtClean="0"/>
               <a:t>Fifth level</a:t>
             </a:r>
             <a:endParaRPr lang="en-US" dirty="0"/>
@@ -3879,8 +5438,8 @@
         </p:nvSpPr>
         <p:spPr>
           <a:xfrm>
-            <a:off x="4648200" y="935846"/>
-            <a:ext cx="4038600" cy="3140187"/>
+            <a:off x="4737100" y="935846"/>
+            <a:ext cx="4140124" cy="3140187"/>
           </a:xfrm>
         </p:spPr>
         <p:txBody>
@@ -3917,35 +5476,35 @@
           <a:p>
             <a:pPr lvl="0"/>
             <a:r>
-              <a:rPr lang="en-US" dirty="0" smtClean="0"/>
+              <a:rPr lang="en-US" smtClean="0"/>
               <a:t>Click to edit Master text styles</a:t>
             </a:r>
           </a:p>
           <a:p>
             <a:pPr lvl="1"/>
             <a:r>
-              <a:rPr lang="en-US" dirty="0" smtClean="0"/>
+              <a:rPr lang="en-US" smtClean="0"/>
               <a:t>Second level</a:t>
             </a:r>
           </a:p>
           <a:p>
             <a:pPr lvl="2"/>
             <a:r>
-              <a:rPr lang="en-US" dirty="0" smtClean="0"/>
+              <a:rPr lang="en-US" smtClean="0"/>
               <a:t>Third level</a:t>
             </a:r>
           </a:p>
           <a:p>
             <a:pPr lvl="3"/>
             <a:r>
-              <a:rPr lang="en-US" dirty="0" smtClean="0"/>
+              <a:rPr lang="en-US" smtClean="0"/>
               <a:t>Fourth level</a:t>
             </a:r>
           </a:p>
           <a:p>
             <a:pPr lvl="4"/>
             <a:r>
-              <a:rPr lang="en-US" dirty="0" smtClean="0"/>
+              <a:rPr lang="en-US" smtClean="0"/>
               <a:t>Fifth level</a:t>
             </a:r>
             <a:endParaRPr lang="en-US" dirty="0"/>
@@ -3976,7 +5535,7 @@
           <a:p>
             <a:fld id="{30545249-FD76-6844-B252-CAB05FC2DAA8}" type="datetime2">
               <a:rPr lang="en-US" smtClean="0"/>
-              <a:t>Tuesday, September 9, 14</a:t>
+              <a:t>Wednesday, September 10, 14</a:t>
             </a:fld>
             <a:endParaRPr lang="en-US" dirty="0"/>
           </a:p>
@@ -4049,8 +5608,8 @@
         </p:nvSpPr>
         <p:spPr>
           <a:xfrm>
-            <a:off x="457200" y="4829213"/>
-            <a:ext cx="8229600" cy="1550950"/>
+            <a:off x="261865" y="4829213"/>
+            <a:ext cx="8615360" cy="1550950"/>
           </a:xfrm>
           <a:solidFill>
             <a:schemeClr val="tx2">
@@ -4070,35 +5629,35 @@
           <a:p>
             <a:pPr lvl="0"/>
             <a:r>
-              <a:rPr lang="en-US" dirty="0" smtClean="0"/>
+              <a:rPr lang="en-US" smtClean="0"/>
               <a:t>Click to edit Master text styles</a:t>
             </a:r>
           </a:p>
           <a:p>
             <a:pPr lvl="1"/>
             <a:r>
-              <a:rPr lang="en-US" dirty="0" smtClean="0"/>
+              <a:rPr lang="en-US" smtClean="0"/>
               <a:t>Second level</a:t>
             </a:r>
           </a:p>
           <a:p>
             <a:pPr lvl="2"/>
             <a:r>
-              <a:rPr lang="en-US" dirty="0" smtClean="0"/>
+              <a:rPr lang="en-US" smtClean="0"/>
               <a:t>Third level</a:t>
             </a:r>
           </a:p>
           <a:p>
             <a:pPr lvl="3"/>
             <a:r>
-              <a:rPr lang="en-US" dirty="0" smtClean="0"/>
+              <a:rPr lang="en-US" smtClean="0"/>
               <a:t>Fourth level</a:t>
             </a:r>
           </a:p>
           <a:p>
             <a:pPr lvl="4"/>
             <a:r>
-              <a:rPr lang="en-US" dirty="0" smtClean="0"/>
+              <a:rPr lang="en-US" smtClean="0"/>
               <a:t>Fifth level</a:t>
             </a:r>
             <a:endParaRPr lang="en-US" dirty="0"/>
@@ -4117,8 +5676,8 @@
         </p:nvSpPr>
         <p:spPr>
           <a:xfrm>
-            <a:off x="457200" y="4238625"/>
-            <a:ext cx="8229600" cy="590550"/>
+            <a:off x="261865" y="4238625"/>
+            <a:ext cx="8615359" cy="590550"/>
           </a:xfrm>
           <a:solidFill>
             <a:schemeClr val="tx2">
@@ -4143,10 +5702,9 @@
           <a:p>
             <a:pPr lvl="0"/>
             <a:r>
-              <a:rPr lang="en-US" dirty="0" smtClean="0"/>
+              <a:rPr lang="en-US" smtClean="0"/>
               <a:t>Click to edit Master text styles</a:t>
             </a:r>
-            <a:endParaRPr lang="en-US" dirty="0"/>
           </a:p>
         </p:txBody>
       </p:sp>
@@ -4220,7 +5778,7 @@
           <a:p>
             <a:fld id="{CC859171-EEDD-0B48-A5C0-E7218AE20EA7}" type="datetime2">
               <a:rPr lang="en-US" smtClean="0"/>
-              <a:t>Tuesday, September 9, 14</a:t>
+              <a:t>Wednesday, September 10, 14</a:t>
             </a:fld>
             <a:endParaRPr lang="en-US"/>
           </a:p>
@@ -4316,7 +5874,7 @@
           <a:p>
             <a:fld id="{C32F9216-0342-7440-9504-BD6C1382BF27}" type="datetime2">
               <a:rPr lang="en-US" smtClean="0"/>
-              <a:t>Tuesday, September 9, 14</a:t>
+              <a:t>Wednesday, September 10, 14</a:t>
             </a:fld>
             <a:endParaRPr lang="en-US"/>
           </a:p>
@@ -4408,7 +5966,7 @@
         </p:nvSpPr>
         <p:spPr>
           <a:xfrm>
-            <a:off x="0" y="6506351"/>
+            <a:off x="0" y="6469775"/>
             <a:ext cx="9144000" cy="365760"/>
           </a:xfrm>
           <a:prstGeom prst="rect">
@@ -4453,18 +6011,62 @@
       </p:sp>
       <p:sp>
         <p:nvSpPr>
-          <p:cNvPr id="2" name="Title Placeholder 1"/>
-          <p:cNvSpPr>
-            <a:spLocks noGrp="1"/>
-          </p:cNvSpPr>
-          <p:nvPr>
-            <p:ph type="title"/>
+          <p:cNvPr id="5" name="Footer Placeholder 4"/>
+          <p:cNvSpPr>
+            <a:spLocks noGrp="1"/>
+          </p:cNvSpPr>
+          <p:nvPr>
+            <p:ph type="ftr" sz="quarter" idx="3"/>
           </p:nvPr>
         </p:nvSpPr>
         <p:spPr>
           <a:xfrm>
-            <a:off x="0" y="0"/>
-            <a:ext cx="9144000" cy="678666"/>
+            <a:off x="261865" y="6501045"/>
+            <a:ext cx="4114800" cy="329184"/>
+          </a:xfrm>
+          <a:prstGeom prst="rect">
+            <a:avLst/>
+          </a:prstGeom>
+          <a:solidFill>
+            <a:srgbClr val="A53926"/>
+          </a:solidFill>
+        </p:spPr>
+        <p:txBody>
+          <a:bodyPr vert="horz" lIns="91440" tIns="45720" rIns="91440" bIns="45720" rtlCol="0" anchor="ctr"/>
+          <a:lstStyle>
+            <a:lvl1pPr algn="ctr">
+              <a:defRPr sz="1200" b="1">
+                <a:solidFill>
+                  <a:srgbClr val="FFFFFF"/>
+                </a:solidFill>
+                <a:latin typeface="Times New Roman"/>
+                <a:cs typeface="Times New Roman"/>
+              </a:defRPr>
+            </a:lvl1pPr>
+          </a:lstStyle>
+          <a:p>
+            <a:r>
+              <a:rPr lang="en-US" smtClean="0"/>
+              <a:t>Sanjay Kalé and PPL (UIUC) – Parallel Migratable Objects </a:t>
+            </a:r>
+            <a:endParaRPr lang="en-US" dirty="0"/>
+          </a:p>
+        </p:txBody>
+      </p:sp>
+      <p:sp>
+        <p:nvSpPr>
+          <p:cNvPr id="2" name="Title Placeholder 1"/>
+          <p:cNvSpPr>
+            <a:spLocks noGrp="1"/>
+          </p:cNvSpPr>
+          <p:nvPr>
+            <p:ph type="title"/>
+          </p:nvPr>
+        </p:nvSpPr>
+        <p:spPr>
+          <a:xfrm>
+            <a:off x="0" y="-1"/>
+            <a:ext cx="9144000" cy="741859"/>
           </a:xfrm>
           <a:prstGeom prst="rect">
             <a:avLst/>
@@ -4483,7 +6085,7 @@
           <a:lstStyle/>
           <a:p>
             <a:r>
-              <a:rPr lang="en-US" dirty="0" smtClean="0"/>
+              <a:rPr lang="en-US" smtClean="0"/>
               <a:t>Click to edit Master title style</a:t>
             </a:r>
             <a:endParaRPr lang="en-US" dirty="0"/>
@@ -4502,50 +6104,50 @@
         </p:nvSpPr>
         <p:spPr>
           <a:xfrm>
-            <a:off x="457200" y="1143000"/>
-            <a:ext cx="8229600" cy="5235222"/>
+            <a:off x="261865" y="942770"/>
+            <a:ext cx="8615360" cy="5435452"/>
           </a:xfrm>
           <a:prstGeom prst="rect">
             <a:avLst/>
           </a:prstGeom>
         </p:spPr>
         <p:txBody>
-          <a:bodyPr vert="horz" lIns="91440" tIns="45720" rIns="91440" bIns="45720" rtlCol="0">
+          <a:bodyPr vert="horz" lIns="91440" tIns="45720" rIns="91440" bIns="45720" rtlCol="0" anchor="ctr">
             <a:normAutofit/>
           </a:bodyPr>
           <a:lstStyle/>
           <a:p>
             <a:pPr lvl="0"/>
             <a:r>
-              <a:rPr lang="en-US" dirty="0" smtClean="0"/>
+              <a:rPr lang="en-US" smtClean="0"/>
               <a:t>Click to edit Master text styles</a:t>
             </a:r>
           </a:p>
           <a:p>
             <a:pPr lvl="1"/>
             <a:r>
-              <a:rPr lang="en-US" dirty="0" smtClean="0"/>
+              <a:rPr lang="en-US" smtClean="0"/>
               <a:t>Second level</a:t>
             </a:r>
           </a:p>
           <a:p>
             <a:pPr lvl="2"/>
             <a:r>
-              <a:rPr lang="en-US" dirty="0" smtClean="0"/>
+              <a:rPr lang="en-US" smtClean="0"/>
               <a:t>Third level</a:t>
             </a:r>
           </a:p>
           <a:p>
             <a:pPr lvl="3"/>
             <a:r>
-              <a:rPr lang="en-US" dirty="0" smtClean="0"/>
+              <a:rPr lang="en-US" smtClean="0"/>
               <a:t>Fourth level</a:t>
             </a:r>
           </a:p>
           <a:p>
             <a:pPr lvl="4"/>
             <a:r>
-              <a:rPr lang="en-US" dirty="0" smtClean="0"/>
+              <a:rPr lang="en-US" smtClean="0"/>
               <a:t>Fifth level</a:t>
             </a:r>
             <a:endParaRPr lang="en-US" dirty="0"/>
@@ -4564,8 +6166,8 @@
         </p:nvSpPr>
         <p:spPr>
           <a:xfrm>
-            <a:off x="457200" y="6506351"/>
-            <a:ext cx="2895600" cy="329184"/>
+            <a:off x="4737100" y="6501045"/>
+            <a:ext cx="2726982" cy="329184"/>
           </a:xfrm>
           <a:prstGeom prst="rect">
             <a:avLst/>
@@ -4587,7 +6189,7 @@
           <a:p>
             <a:fld id="{D36DC8F2-AD63-E841-8C23-5DC3A41041BE}" type="datetime2">
               <a:rPr lang="en-US" smtClean="0"/>
-              <a:t>Tuesday, September 9, 14</a:t>
+              <a:t>Wednesday, September 10, 14</a:t>
             </a:fld>
             <a:endParaRPr lang="en-US" dirty="0"/>
           </a:p>
@@ -4595,62 +6197,18 @@
       </p:sp>
       <p:sp>
         <p:nvSpPr>
-          <p:cNvPr id="5" name="Footer Placeholder 4"/>
-          <p:cNvSpPr>
-            <a:spLocks noGrp="1"/>
-          </p:cNvSpPr>
-          <p:nvPr>
-            <p:ph type="ftr" sz="quarter" idx="3"/>
+          <p:cNvPr id="6" name="Slide Number Placeholder 5"/>
+          <p:cNvSpPr>
+            <a:spLocks noGrp="1"/>
+          </p:cNvSpPr>
+          <p:nvPr>
+            <p:ph type="sldNum" sz="quarter" idx="4"/>
           </p:nvPr>
         </p:nvSpPr>
         <p:spPr>
           <a:xfrm>
-            <a:off x="3429000" y="6501045"/>
-            <a:ext cx="4114800" cy="329184"/>
-          </a:xfrm>
-          <a:prstGeom prst="rect">
-            <a:avLst/>
-          </a:prstGeom>
-          <a:solidFill>
-            <a:srgbClr val="A53926"/>
-          </a:solidFill>
-        </p:spPr>
-        <p:txBody>
-          <a:bodyPr vert="horz" lIns="91440" tIns="45720" rIns="91440" bIns="45720" rtlCol="0" anchor="ctr"/>
-          <a:lstStyle>
-            <a:lvl1pPr algn="ctr">
-              <a:defRPr sz="1200" b="1">
-                <a:solidFill>
-                  <a:srgbClr val="FFFFFF"/>
-                </a:solidFill>
-                <a:latin typeface="Times New Roman"/>
-                <a:cs typeface="Times New Roman"/>
-              </a:defRPr>
-            </a:lvl1pPr>
-          </a:lstStyle>
-          <a:p>
-            <a:r>
-              <a:rPr lang="en-US" smtClean="0"/>
-              <a:t>Sanjay Kalé and PPL (UIUC) – Parallel Migratable Objects </a:t>
-            </a:r>
-            <a:endParaRPr lang="en-US" dirty="0"/>
-          </a:p>
-        </p:txBody>
-      </p:sp>
-      <p:sp>
-        <p:nvSpPr>
-          <p:cNvPr id="6" name="Slide Number Placeholder 5"/>
-          <p:cNvSpPr>
-            <a:spLocks noGrp="1"/>
-          </p:cNvSpPr>
-          <p:nvPr>
-            <p:ph type="sldNum" sz="quarter" idx="4"/>
-          </p:nvPr>
-        </p:nvSpPr>
-        <p:spPr>
-          <a:xfrm>
-            <a:off x="7620000" y="6506351"/>
-            <a:ext cx="1066800" cy="329184"/>
+            <a:off x="7646459" y="6506351"/>
+            <a:ext cx="1230766" cy="329184"/>
           </a:xfrm>
           <a:prstGeom prst="rect">
             <a:avLst/>
@@ -4683,19 +6241,22 @@
   </p:cSld>
   <p:clrMap bg1="lt1" tx1="dk1" bg2="lt2" tx2="dk2" accent1="accent1" accent2="accent2" accent3="accent3" accent4="accent4" accent5="accent5" accent6="accent6" hlink="hlink" folHlink="folHlink"/>
   <p:sldLayoutIdLst>
-    <p:sldLayoutId id="2147483961" r:id="rId1"/>
-    <p:sldLayoutId id="2147483962" r:id="rId2"/>
-    <p:sldLayoutId id="2147483973" r:id="rId3"/>
-    <p:sldLayoutId id="2147483963" r:id="rId4"/>
-    <p:sldLayoutId id="2147483964" r:id="rId5"/>
-    <p:sldLayoutId id="2147483965" r:id="rId6"/>
-    <p:sldLayoutId id="2147483972" r:id="rId7"/>
-    <p:sldLayoutId id="2147483966" r:id="rId8"/>
-    <p:sldLayoutId id="2147483967" r:id="rId9"/>
-    <p:sldLayoutId id="2147483968" r:id="rId10"/>
-    <p:sldLayoutId id="2147483969" r:id="rId11"/>
-    <p:sldLayoutId id="2147483970" r:id="rId12"/>
-    <p:sldLayoutId id="2147483971" r:id="rId13"/>
+    <p:sldLayoutId id="2147483975" r:id="rId1"/>
+    <p:sldLayoutId id="2147483976" r:id="rId2"/>
+    <p:sldLayoutId id="2147483977" r:id="rId3"/>
+    <p:sldLayoutId id="2147483978" r:id="rId4"/>
+    <p:sldLayoutId id="2147483979" r:id="rId5"/>
+    <p:sldLayoutId id="2147483980" r:id="rId6"/>
+    <p:sldLayoutId id="2147483981" r:id="rId7"/>
+    <p:sldLayoutId id="2147483982" r:id="rId8"/>
+    <p:sldLayoutId id="2147483983" r:id="rId9"/>
+    <p:sldLayoutId id="2147483984" r:id="rId10"/>
+    <p:sldLayoutId id="2147483985" r:id="rId11"/>
+    <p:sldLayoutId id="2147483986" r:id="rId12"/>
+    <p:sldLayoutId id="2147483987" r:id="rId13"/>
+    <p:sldLayoutId id="2147483961" r:id="rId14"/>
+    <p:sldLayoutId id="2147483973" r:id="rId15"/>
+    <p:sldLayoutId id="2147483972" r:id="rId16"/>
   </p:sldLayoutIdLst>
   <p:hf hdr="0"/>
   <p:txStyles>
@@ -5012,7 +6573,7 @@
         <p:spPr/>
         <p:txBody>
           <a:bodyPr>
-            <a:normAutofit fontScale="90000"/>
+            <a:normAutofit/>
           </a:bodyPr>
           <a:lstStyle/>
           <a:p>
@@ -5306,7 +6867,7 @@
           <a:p>
             <a:fld id="{7DCE861A-EA6B-EA43-8AA5-DB216DBB40BC}" type="datetime2">
               <a:rPr lang="en-US" smtClean="0"/>
-              <a:t>Tuesday, September 9, 14</a:t>
+              <a:t>Wednesday, September 10, 14</a:t>
             </a:fld>
             <a:endParaRPr lang="en-US"/>
           </a:p>
@@ -5484,7 +7045,7 @@
         <p:spPr/>
         <p:txBody>
           <a:bodyPr>
-            <a:normAutofit fontScale="90000"/>
+            <a:normAutofit/>
           </a:bodyPr>
           <a:lstStyle/>
           <a:p>
@@ -5673,7 +7234,7 @@
           <a:p>
             <a:fld id="{34621E95-60A9-FF44-9869-513D9D7A859F}" type="datetime2">
               <a:rPr lang="en-US" smtClean="0"/>
-              <a:t>Tuesday, September 9, 14</a:t>
+              <a:t>Wednesday, September 10, 14</a:t>
             </a:fld>
             <a:endParaRPr lang="en-US"/>
           </a:p>
@@ -6133,7 +7694,7 @@
         <p:spPr/>
         <p:txBody>
           <a:bodyPr>
-            <a:normAutofit fontScale="90000"/>
+            <a:normAutofit/>
           </a:bodyPr>
           <a:lstStyle/>
           <a:p>
@@ -6195,7 +7756,7 @@
           <a:p>
             <a:fld id="{34621E95-60A9-FF44-9869-513D9D7A859F}" type="datetime2">
               <a:rPr lang="en-US" smtClean="0"/>
-              <a:t>Tuesday, September 9, 14</a:t>
+              <a:t>Wednesday, September 10, 14</a:t>
             </a:fld>
             <a:endParaRPr lang="en-US"/>
           </a:p>
@@ -6299,7 +7860,7 @@
         <p:spPr/>
         <p:txBody>
           <a:bodyPr>
-            <a:normAutofit fontScale="90000"/>
+            <a:normAutofit/>
           </a:bodyPr>
           <a:lstStyle/>
           <a:p>
@@ -6444,7 +8005,7 @@
           <a:p>
             <a:fld id="{BF613BD3-C5FD-9543-B738-679BF38D8C83}" type="datetime2">
               <a:rPr lang="en-US" smtClean="0"/>
-              <a:t>Tuesday, September 9, 14</a:t>
+              <a:t>Wednesday, September 10, 14</a:t>
             </a:fld>
             <a:endParaRPr lang="en-US" dirty="0"/>
           </a:p>
@@ -7011,7 +8572,7 @@
           <a:p>
             <a:fld id="{BF613BD3-C5FD-9543-B738-679BF38D8C83}" type="datetime2">
               <a:rPr lang="en-US" smtClean="0"/>
-              <a:t>Tuesday, September 9, 14</a:t>
+              <a:t>Wednesday, September 10, 14</a:t>
             </a:fld>
             <a:endParaRPr lang="en-US" dirty="0"/>
           </a:p>
@@ -7115,7 +8676,7 @@
         <p:spPr/>
         <p:txBody>
           <a:bodyPr>
-            <a:normAutofit fontScale="90000"/>
+            <a:normAutofit/>
           </a:bodyPr>
           <a:lstStyle/>
           <a:p>
@@ -7137,15 +8698,10 @@
             <p:ph idx="1"/>
           </p:nvPr>
         </p:nvSpPr>
-        <p:spPr>
-          <a:xfrm>
-            <a:off x="457200" y="5793093"/>
-            <a:ext cx="8229600" cy="585128"/>
-          </a:xfrm>
-        </p:spPr>
-        <p:txBody>
-          <a:bodyPr>
-            <a:normAutofit fontScale="92500"/>
+        <p:spPr/>
+        <p:txBody>
+          <a:bodyPr anchor="b">
+            <a:normAutofit/>
           </a:bodyPr>
           <a:lstStyle/>
           <a:p>
@@ -7173,7 +8729,7 @@
           <a:p>
             <a:fld id="{34621E95-60A9-FF44-9869-513D9D7A859F}" type="datetime2">
               <a:rPr lang="en-US" smtClean="0"/>
-              <a:t>Tuesday, September 9, 14</a:t>
+              <a:t>Wednesday, September 10, 14</a:t>
             </a:fld>
             <a:endParaRPr lang="en-US"/>
           </a:p>
@@ -7307,7 +8863,7 @@
         <p:spPr/>
         <p:txBody>
           <a:bodyPr>
-            <a:normAutofit fontScale="90000"/>
+            <a:normAutofit/>
           </a:bodyPr>
           <a:lstStyle/>
           <a:p>
@@ -7328,12 +8884,7 @@
             <p:ph idx="1"/>
           </p:nvPr>
         </p:nvSpPr>
-        <p:spPr>
-          <a:xfrm>
-            <a:off x="457200" y="1143000"/>
-            <a:ext cx="8229600" cy="5235222"/>
-          </a:xfrm>
-        </p:spPr>
+        <p:spPr/>
         <p:txBody>
           <a:bodyPr>
             <a:normAutofit/>
@@ -7360,11 +8911,7 @@
             <a:pPr lvl="1"/>
             <a:r>
               <a:rPr lang="en-US" dirty="0" smtClean="0"/>
-              <a:t>Relatively </a:t>
-            </a:r>
-            <a:r>
-              <a:rPr lang="en-US" dirty="0" smtClean="0"/>
-              <a:t>small amount </a:t>
+              <a:t>Relatively small amount </a:t>
             </a:r>
             <a:r>
               <a:rPr lang="en-US" dirty="0"/>
@@ -7531,7 +9078,7 @@
           <a:p>
             <a:fld id="{34621E95-60A9-FF44-9869-513D9D7A859F}" type="datetime2">
               <a:rPr lang="en-US" smtClean="0"/>
-              <a:t>Tuesday, September 9, 14</a:t>
+              <a:t>Wednesday, September 10, 14</a:t>
             </a:fld>
             <a:endParaRPr lang="en-US"/>
           </a:p>
@@ -8048,7 +9595,7 @@
         <p:spPr/>
         <p:txBody>
           <a:bodyPr>
-            <a:normAutofit fontScale="90000"/>
+            <a:normAutofit/>
           </a:bodyPr>
           <a:lstStyle/>
           <a:p>
@@ -8077,7 +9624,7 @@
               </a:ext>
             </a:extLst>
           </a:blip>
-          <a:srcRect t="-18506" b="-18506"/>
+          <a:srcRect t="-17238" b="-17238"/>
           <a:stretch>
             <a:fillRect/>
           </a:stretch>
@@ -8133,17 +9680,8 @@
             </a:r>
             <a:r>
               <a:rPr lang="en-US" dirty="0" smtClean="0"/>
-              <a:t>o</a:t>
-            </a:r>
-            <a:r>
-              <a:rPr lang="en-US" dirty="0" smtClean="0"/>
-              <a:t>ff </a:t>
-            </a:r>
-            <a:r>
-              <a:rPr lang="en-US" dirty="0" smtClean="0"/>
-              <a:t>radius </a:t>
-            </a:r>
-            <a:endParaRPr lang="en-US" dirty="0" smtClean="0"/>
+              <a:t>off radius </a:t>
+            </a:r>
           </a:p>
           <a:p>
             <a:pPr lvl="1"/>
@@ -8255,7 +9793,7 @@
           <a:p>
             <a:fld id="{BF613BD3-C5FD-9543-B738-679BF38D8C83}" type="datetime2">
               <a:rPr lang="en-US" smtClean="0"/>
-              <a:t>Tuesday, September 9, 14</a:t>
+              <a:t>Wednesday, September 10, 14</a:t>
             </a:fld>
             <a:endParaRPr lang="en-US" dirty="0"/>
           </a:p>
@@ -8755,7 +10293,7 @@
               </a:ext>
             </a:extLst>
           </a:blip>
-          <a:srcRect t="-24681" b="-24681"/>
+          <a:srcRect t="-23298" b="-23298"/>
           <a:stretch>
             <a:fillRect/>
           </a:stretch>
@@ -8879,7 +10417,7 @@
           <a:p>
             <a:fld id="{BF613BD3-C5FD-9543-B738-679BF38D8C83}" type="datetime2">
               <a:rPr lang="en-US" smtClean="0"/>
-              <a:t>Tuesday, September 9, 14</a:t>
+              <a:t>Wednesday, September 10, 14</a:t>
             </a:fld>
             <a:endParaRPr lang="en-US" dirty="0"/>
           </a:p>
@@ -9197,7 +10735,7 @@
         <p:spPr/>
         <p:txBody>
           <a:bodyPr>
-            <a:normAutofit fontScale="90000"/>
+            <a:normAutofit/>
           </a:bodyPr>
           <a:lstStyle/>
           <a:p>
@@ -9220,7 +10758,7 @@
         </p:nvSpPr>
         <p:spPr/>
         <p:txBody>
-          <a:bodyPr/>
+          <a:bodyPr anchor="t"/>
           <a:lstStyle/>
           <a:p>
             <a:pPr marL="0" indent="0">
@@ -9255,7 +10793,7 @@
           <a:p>
             <a:fld id="{34621E95-60A9-FF44-9869-513D9D7A859F}" type="datetime2">
               <a:rPr lang="en-US" smtClean="0"/>
-              <a:t>Tuesday, September 9, 14</a:t>
+              <a:t>Wednesday, September 10, 14</a:t>
             </a:fld>
             <a:endParaRPr lang="en-US"/>
           </a:p>
@@ -9382,7 +10920,7 @@
         <p:spPr/>
         <p:txBody>
           <a:bodyPr>
-            <a:normAutofit fontScale="90000"/>
+            <a:normAutofit/>
           </a:bodyPr>
           <a:lstStyle/>
           <a:p>
@@ -9439,7 +10977,7 @@
           <a:p>
             <a:fld id="{34621E95-60A9-FF44-9869-513D9D7A859F}" type="datetime2">
               <a:rPr lang="en-US" smtClean="0"/>
-              <a:t>Tuesday, September 9, 14</a:t>
+              <a:t>Wednesday, September 10, 14</a:t>
             </a:fld>
             <a:endParaRPr lang="en-US"/>
           </a:p>
@@ -9536,7 +11074,7 @@
         <p:spPr/>
         <p:txBody>
           <a:bodyPr>
-            <a:normAutofit fontScale="90000"/>
+            <a:normAutofit/>
           </a:bodyPr>
           <a:lstStyle/>
           <a:p>
@@ -9559,7 +11097,7 @@
         </p:nvSpPr>
         <p:spPr/>
         <p:txBody>
-          <a:bodyPr/>
+          <a:bodyPr anchor="t"/>
           <a:lstStyle/>
           <a:p>
             <a:r>
@@ -9586,7 +11124,7 @@
           <a:p>
             <a:fld id="{34621E95-60A9-FF44-9869-513D9D7A859F}" type="datetime2">
               <a:rPr lang="en-US" smtClean="0"/>
-              <a:t>Tuesday, September 9, 14</a:t>
+              <a:t>Wednesday, September 10, 14</a:t>
             </a:fld>
             <a:endParaRPr lang="en-US"/>
           </a:p>
@@ -9713,7 +11251,7 @@
         <p:spPr/>
         <p:txBody>
           <a:bodyPr>
-            <a:normAutofit fontScale="90000"/>
+            <a:normAutofit/>
           </a:bodyPr>
           <a:lstStyle/>
           <a:p>
@@ -9736,7 +11274,7 @@
         </p:nvSpPr>
         <p:spPr/>
         <p:txBody>
-          <a:bodyPr/>
+          <a:bodyPr anchor="t"/>
           <a:lstStyle/>
           <a:p>
             <a:r>
@@ -9763,7 +11301,7 @@
           <a:p>
             <a:fld id="{34621E95-60A9-FF44-9869-513D9D7A859F}" type="datetime2">
               <a:rPr lang="en-US" smtClean="0"/>
-              <a:t>Tuesday, September 9, 14</a:t>
+              <a:t>Wednesday, September 10, 14</a:t>
             </a:fld>
             <a:endParaRPr lang="en-US"/>
           </a:p>
@@ -9861,7 +11399,7 @@
 </file>
 
 <file path=ppt/theme/theme1.xml><?xml version="1.0" encoding="utf-8"?>
-<a:theme xmlns:a="http://schemas.openxmlformats.org/drawingml/2006/main" name="Clarity">
+<a:theme xmlns:a="http://schemas.openxmlformats.org/drawingml/2006/main" name="charm-pptx_theme">
   <a:themeElements>
     <a:clrScheme name="Clarity">
       <a:dk1>

--- a/tutorial-08-app_design.pptx
+++ b/tutorial-08-app_design.pptx
@@ -11200,7 +11200,7 @@
         </p:blipFill>
         <p:spPr>
           <a:xfrm>
-            <a:off x="712468" y="1602615"/>
+            <a:off x="1158352" y="1602615"/>
             <a:ext cx="6831331" cy="4775607"/>
           </a:xfrm>
           <a:prstGeom prst="rect">

--- a/tutorial-08-app_design.pptx
+++ b/tutorial-08-app_design.pptx
@@ -6035,7 +6035,7 @@
           <a:bodyPr vert="horz" lIns="91440" tIns="45720" rIns="91440" bIns="45720" rtlCol="0" anchor="ctr"/>
           <a:lstStyle>
             <a:lvl1pPr algn="ctr">
-              <a:defRPr sz="1200" b="1">
+              <a:defRPr sz="1200" b="0">
                 <a:solidFill>
                   <a:srgbClr val="FFFFFF"/>
                 </a:solidFill>
@@ -6890,10 +6890,26 @@
           <a:p>
             <a:pPr algn="r"/>
             <a:r>
-              <a:rPr lang="en-US" smtClean="0"/>
-              <a:t>Sanjay Kalé and PPL (UIUC) – Parallel Migratable Objects </a:t>
-            </a:r>
-            <a:endParaRPr lang="en-US" dirty="0"/>
+              <a:rPr lang="en-US" b="0" dirty="0" smtClean="0"/>
+              <a:t>Sanjay </a:t>
+            </a:r>
+            <a:r>
+              <a:rPr lang="en-US" b="0" dirty="0" err="1" smtClean="0"/>
+              <a:t>Kalé</a:t>
+            </a:r>
+            <a:r>
+              <a:rPr lang="en-US" b="0" dirty="0" smtClean="0"/>
+              <a:t> and PPL (UIUC) – Parallel </a:t>
+            </a:r>
+            <a:r>
+              <a:rPr lang="en-US" b="0" dirty="0" err="1" smtClean="0"/>
+              <a:t>Migratable</a:t>
+            </a:r>
+            <a:r>
+              <a:rPr lang="en-US" b="0" dirty="0" smtClean="0"/>
+              <a:t> Objects </a:t>
+            </a:r>
+            <a:endParaRPr lang="en-US" b="0" dirty="0"/>
           </a:p>
         </p:txBody>
       </p:sp>
@@ -10887,6 +10903,13 @@
   <p:clrMapOvr>
     <a:masterClrMapping/>
   </p:clrMapOvr>
+  <p:timing>
+    <p:tnLst>
+      <p:par>
+        <p:cTn xmlns:p14="http://schemas.microsoft.com/office/powerpoint/2010/main" id="1" dur="indefinite" restart="never" nodeType="tmRoot"/>
+      </p:par>
+    </p:tnLst>
+  </p:timing>
 </p:sld>
 </file>
 
@@ -11041,6 +11064,13 @@
   <p:clrMapOvr>
     <a:masterClrMapping/>
   </p:clrMapOvr>
+  <p:timing>
+    <p:tnLst>
+      <p:par>
+        <p:cTn xmlns:p14="http://schemas.microsoft.com/office/powerpoint/2010/main" id="1" dur="indefinite" restart="never" nodeType="tmRoot"/>
+      </p:par>
+    </p:tnLst>
+  </p:timing>
 </p:sld>
 </file>
 
@@ -11218,6 +11248,13 @@
   <p:clrMapOvr>
     <a:masterClrMapping/>
   </p:clrMapOvr>
+  <p:timing>
+    <p:tnLst>
+      <p:par>
+        <p:cTn xmlns:p14="http://schemas.microsoft.com/office/powerpoint/2010/main" id="1" dur="indefinite" restart="never" nodeType="tmRoot"/>
+      </p:par>
+    </p:tnLst>
+  </p:timing>
 </p:sld>
 </file>
 
@@ -11395,6 +11432,13 @@
   <p:clrMapOvr>
     <a:masterClrMapping/>
   </p:clrMapOvr>
+  <p:timing>
+    <p:tnLst>
+      <p:par>
+        <p:cTn xmlns:p14="http://schemas.microsoft.com/office/powerpoint/2010/main" id="1" dur="indefinite" restart="never" nodeType="tmRoot"/>
+      </p:par>
+    </p:tnLst>
+  </p:timing>
 </p:sld>
 </file>
 

--- a/tutorial-08-app_design.pptx
+++ b/tutorial-08-app_design.pptx
@@ -6619,7 +6619,7 @@
             </a:r>
           </a:p>
           <a:p>
-            <a:pPr marL="681038" lvl="1" indent="-276225">
+            <a:pPr marL="955358" lvl="2" indent="-276225">
               <a:buClr>
                 <a:srgbClr val="0000FF"/>
               </a:buClr>
@@ -6628,12 +6628,12 @@
               <a:buChar char="•"/>
             </a:pPr>
             <a:r>
-              <a:rPr lang="en-US" dirty="0" smtClean="0"/>
+              <a:rPr lang="en-US" dirty="0"/>
               <a:t>Object Design</a:t>
             </a:r>
           </a:p>
           <a:p>
-            <a:pPr marL="681038" lvl="1" indent="-276225">
+            <a:pPr marL="955358" lvl="2" indent="-276225">
               <a:buClr>
                 <a:srgbClr val="0000FF"/>
               </a:buClr>
@@ -6642,7 +6642,7 @@
               <a:buChar char="•"/>
             </a:pPr>
             <a:r>
-              <a:rPr lang="en-US" dirty="0" smtClean="0"/>
+              <a:rPr lang="en-US" dirty="0"/>
               <a:t>Execution Model</a:t>
             </a:r>
           </a:p>
@@ -6657,7 +6657,11 @@
             </a:pPr>
             <a:r>
               <a:rPr lang="en-US" dirty="0" smtClean="0"/>
-              <a:t>Hello World</a:t>
+              <a:t>Hello </a:t>
+            </a:r>
+            <a:r>
+              <a:rPr lang="en-US" dirty="0" smtClean="0"/>
+              <a:t>World</a:t>
             </a:r>
           </a:p>
           <a:p>
@@ -6689,7 +6693,7 @@
             </a:r>
           </a:p>
           <a:p>
-            <a:pPr marL="681038" lvl="1" indent="-331788">
+            <a:pPr marL="954088" lvl="2" indent="-266700">
               <a:buClr>
                 <a:srgbClr val="0000FF"/>
               </a:buClr>
@@ -6698,7 +6702,7 @@
               <a:buChar char="•"/>
             </a:pPr>
             <a:r>
-              <a:rPr lang="en-US" dirty="0" smtClean="0"/>
+              <a:rPr lang="en-US" dirty="0"/>
               <a:t>Object Collections</a:t>
             </a:r>
           </a:p>
@@ -6733,7 +6737,7 @@
             <a:endParaRPr lang="en-US" dirty="0" smtClean="0"/>
           </a:p>
           <a:p>
-            <a:pPr marL="681038" lvl="1" indent="-385763">
+            <a:pPr marL="954088" lvl="2" indent="-266700">
               <a:buClr>
                 <a:srgbClr val="0000FF"/>
               </a:buClr>
@@ -6742,11 +6746,11 @@
               <a:buChar char="•"/>
             </a:pPr>
             <a:r>
-              <a:rPr lang="en-US" dirty="0" err="1" smtClean="0"/>
+              <a:rPr lang="en-US" dirty="0" err="1"/>
               <a:t>Checkpointing</a:t>
             </a:r>
             <a:r>
-              <a:rPr lang="en-US" dirty="0" smtClean="0"/>
+              <a:rPr lang="en-US" dirty="0"/>
               <a:t> and Resilience</a:t>
             </a:r>
           </a:p>
@@ -6761,7 +6765,11 @@
             </a:pPr>
             <a:r>
               <a:rPr lang="en-US" dirty="0" smtClean="0"/>
-              <a:t>Structured Dagger</a:t>
+              <a:t>Structured </a:t>
+            </a:r>
+            <a:r>
+              <a:rPr lang="en-US" dirty="0" smtClean="0"/>
+              <a:t>Dagger</a:t>
             </a:r>
           </a:p>
           <a:p>

--- a/tutorial-08-app_design.pptx
+++ b/tutorial-08-app_design.pptx
@@ -213,7 +213,7 @@
           <a:p>
             <a:fld id="{775CE290-E0F5-444C-B849-A8F17CD4104C}" type="datetimeFigureOut">
               <a:rPr lang="en-US" smtClean="0"/>
-              <a:t>9/10/14</a:t>
+              <a:t>9/12/14</a:t>
             </a:fld>
             <a:endParaRPr lang="en-US"/>
           </a:p>
@@ -379,7 +379,7 @@
           <a:p>
             <a:fld id="{AD53A24C-4135-094C-957B-35852E7EDFA4}" type="datetimeFigureOut">
               <a:rPr lang="en-US" smtClean="0"/>
-              <a:t>9/10/14</a:t>
+              <a:t>9/12/14</a:t>
             </a:fld>
             <a:endParaRPr lang="en-US"/>
           </a:p>
@@ -838,9 +838,9 @@
           <a:bodyPr/>
           <a:lstStyle/>
           <a:p>
-            <a:fld id="{B594EA25-E4F4-3746-A0BA-A11E27330E0F}" type="datetime2">
-              <a:rPr lang="en-US" smtClean="0"/>
-              <a:t>Wednesday, September 10, 14</a:t>
+            <a:fld id="{F1A163F5-1FD5-A141-A105-0AA76CA035CB}" type="datetime2">
+              <a:rPr lang="en-US" smtClean="0"/>
+              <a:t>Friday, September 12, 14</a:t>
             </a:fld>
             <a:endParaRPr lang="en-US"/>
           </a:p>
@@ -864,7 +864,7 @@
             <a:pPr algn="r"/>
             <a:r>
               <a:rPr lang="en-US" smtClean="0"/>
-              <a:t>Sanjay Kalé and PPL (UIUC) – Parallel Migratable Objects </a:t>
+              <a:t>Laxmikant Kalé and PPL (UIUC) – Parallel Migratable Objects </a:t>
             </a:r>
             <a:endParaRPr lang="en-US" dirty="0"/>
           </a:p>
@@ -1143,7 +1143,7 @@
                 <a:latin typeface="Times New Roman"/>
                 <a:cs typeface="Times New Roman"/>
               </a:rPr>
-              <a:t>September 10, 2014</a:t>
+              <a:t>September 12, 2014</a:t>
             </a:fld>
             <a:endParaRPr lang="en-US" dirty="0">
               <a:latin typeface="Times New Roman"/>
@@ -1417,7 +1417,7 @@
                 <a:latin typeface="Times New Roman"/>
                 <a:cs typeface="Times New Roman"/>
               </a:rPr>
-              <a:t>September 10, 2014</a:t>
+              <a:t>September 12, 2014</a:t>
             </a:fld>
             <a:endParaRPr lang="en-US" dirty="0">
               <a:latin typeface="Times New Roman"/>
@@ -1650,9 +1650,9 @@
           <a:bodyPr/>
           <a:lstStyle/>
           <a:p>
-            <a:fld id="{EA699BF9-66CB-F244-8E74-7B1BE1C77046}" type="datetime2">
-              <a:rPr lang="en-US" smtClean="0"/>
-              <a:t>Wednesday, September 10, 14</a:t>
+            <a:fld id="{48F1A839-1F8E-E646-B59A-5B9C9C497AA4}" type="datetime2">
+              <a:rPr lang="en-US" smtClean="0"/>
+              <a:t>Friday, September 12, 14</a:t>
             </a:fld>
             <a:endParaRPr lang="en-US"/>
           </a:p>
@@ -1676,7 +1676,7 @@
             <a:pPr algn="r"/>
             <a:r>
               <a:rPr lang="en-US" smtClean="0"/>
-              <a:t>Sanjay Kalé and PPL (UIUC) – Parallel Migratable Objects </a:t>
+              <a:t>Laxmikant Kalé and PPL (UIUC) – Parallel Migratable Objects </a:t>
             </a:r>
             <a:endParaRPr lang="en-US" dirty="0"/>
           </a:p>
@@ -1961,9 +1961,9 @@
           <a:bodyPr/>
           <a:lstStyle/>
           <a:p>
-            <a:fld id="{D300BE84-9843-8B4F-B3C8-647B06AC46C9}" type="datetime2">
-              <a:rPr lang="en-US" smtClean="0"/>
-              <a:t>Wednesday, September 10, 14</a:t>
+            <a:fld id="{4827FD2E-8957-4641-A936-82C042929913}" type="datetime2">
+              <a:rPr lang="en-US" smtClean="0"/>
+              <a:t>Friday, September 12, 14</a:t>
             </a:fld>
             <a:endParaRPr lang="en-US"/>
           </a:p>
@@ -1987,7 +1987,7 @@
             <a:pPr algn="r"/>
             <a:r>
               <a:rPr lang="en-US" smtClean="0"/>
-              <a:t>Sanjay Kalé and PPL (UIUC) – Parallel Migratable Objects </a:t>
+              <a:t>Laxmikant Kalé and PPL (UIUC) – Parallel Migratable Objects </a:t>
             </a:r>
             <a:endParaRPr lang="en-US" dirty="0"/>
           </a:p>
@@ -2132,9 +2132,9 @@
           <a:bodyPr/>
           <a:lstStyle/>
           <a:p>
-            <a:fld id="{C460AE39-2092-A945-8296-F25085B9A0F1}" type="datetime2">
-              <a:rPr lang="en-US" smtClean="0"/>
-              <a:t>Wednesday, September 10, 14</a:t>
+            <a:fld id="{CD297230-C9BE-6143-BD27-5C404AF967C1}" type="datetime2">
+              <a:rPr lang="en-US" smtClean="0"/>
+              <a:t>Friday, September 12, 14</a:t>
             </a:fld>
             <a:endParaRPr lang="en-US"/>
           </a:p>
@@ -2158,7 +2158,7 @@
             <a:pPr algn="r"/>
             <a:r>
               <a:rPr lang="en-US" smtClean="0"/>
-              <a:t>Sanjay Kalé and PPL (UIUC) – Parallel Migratable Objects </a:t>
+              <a:t>Laxmikant Kalé and PPL (UIUC) – Parallel Migratable Objects </a:t>
             </a:r>
             <a:endParaRPr lang="en-US" dirty="0"/>
           </a:p>
@@ -2313,9 +2313,9 @@
           <a:bodyPr/>
           <a:lstStyle/>
           <a:p>
-            <a:fld id="{63BC7E9D-3218-5E49-A867-E087AB2F4618}" type="datetime2">
-              <a:rPr lang="en-US" smtClean="0"/>
-              <a:t>Wednesday, September 10, 14</a:t>
+            <a:fld id="{F6D32C90-2F78-9847-AA03-6F7ADE373907}" type="datetime2">
+              <a:rPr lang="en-US" smtClean="0"/>
+              <a:t>Friday, September 12, 14</a:t>
             </a:fld>
             <a:endParaRPr lang="en-US"/>
           </a:p>
@@ -2339,7 +2339,7 @@
             <a:pPr algn="r"/>
             <a:r>
               <a:rPr lang="en-US" smtClean="0"/>
-              <a:t>Sanjay Kalé and PPL (UIUC) – Parallel Migratable Objects </a:t>
+              <a:t>Laxmikant Kalé and PPL (UIUC) – Parallel Migratable Objects </a:t>
             </a:r>
             <a:endParaRPr lang="en-US" dirty="0"/>
           </a:p>
@@ -2567,9 +2567,9 @@
           <a:bodyPr/>
           <a:lstStyle/>
           <a:p>
-            <a:fld id="{B594EA25-E4F4-3746-A0BA-A11E27330E0F}" type="datetime2">
-              <a:rPr lang="en-US" smtClean="0"/>
-              <a:t>Wednesday, September 10, 14</a:t>
+            <a:fld id="{D749BBD2-EE27-AE44-A81D-BBC50A2BDC2D}" type="datetime2">
+              <a:rPr lang="en-US" smtClean="0"/>
+              <a:t>Friday, September 12, 14</a:t>
             </a:fld>
             <a:endParaRPr lang="en-US"/>
           </a:p>
@@ -2593,7 +2593,7 @@
             <a:pPr algn="r"/>
             <a:r>
               <a:rPr lang="en-US" smtClean="0"/>
-              <a:t>Sanjay Kalé and PPL (UIUC) – Parallel Migratable Objects </a:t>
+              <a:t>Laxmikant Kalé and PPL (UIUC) – Parallel Migratable Objects </a:t>
             </a:r>
             <a:endParaRPr lang="en-US" dirty="0"/>
           </a:p>
@@ -2872,7 +2872,7 @@
                 <a:latin typeface="Times New Roman"/>
                 <a:cs typeface="Times New Roman"/>
               </a:rPr>
-              <a:t>September 10, 2014</a:t>
+              <a:t>September 12, 2014</a:t>
             </a:fld>
             <a:endParaRPr lang="en-US" dirty="0">
               <a:latin typeface="Times New Roman"/>
@@ -2996,9 +2996,9 @@
           <a:bodyPr/>
           <a:lstStyle/>
           <a:p>
-            <a:fld id="{BD5AFB16-13FE-DF4A-8CB7-09756A57B2EA}" type="datetime2">
-              <a:rPr lang="en-US" smtClean="0"/>
-              <a:t>Wednesday, September 10, 14</a:t>
+            <a:fld id="{58084EE8-2359-EC4D-9BA8-22FE347F542C}" type="datetime2">
+              <a:rPr lang="en-US" smtClean="0"/>
+              <a:t>Friday, September 12, 14</a:t>
             </a:fld>
             <a:endParaRPr lang="en-US" dirty="0"/>
           </a:p>
@@ -3022,7 +3022,7 @@
             <a:pPr algn="r"/>
             <a:r>
               <a:rPr lang="en-US" smtClean="0"/>
-              <a:t>Sanjay Kalé and PPL (UIUC) – Parallel Migratable Objects </a:t>
+              <a:t>Laxmikant Kalé and PPL (UIUC) – Parallel Migratable Objects </a:t>
             </a:r>
             <a:endParaRPr lang="en-US" dirty="0"/>
           </a:p>
@@ -3525,9 +3525,9 @@
             </a:lvl1pPr>
           </a:lstStyle>
           <a:p>
-            <a:fld id="{30545249-FD76-6844-B252-CAB05FC2DAA8}" type="datetime2">
-              <a:rPr lang="en-US" smtClean="0"/>
-              <a:t>Wednesday, September 10, 14</a:t>
+            <a:fld id="{CA75AF40-D091-FE48-A00D-DC78AE4AE766}" type="datetime2">
+              <a:rPr lang="en-US" smtClean="0"/>
+              <a:t>Friday, September 12, 14</a:t>
             </a:fld>
             <a:endParaRPr lang="en-US" dirty="0"/>
           </a:p>
@@ -3558,7 +3558,7 @@
             <a:pPr algn="r"/>
             <a:r>
               <a:rPr lang="en-US" smtClean="0"/>
-              <a:t>Sanjay Kalé and PPL (UIUC) – Parallel Migratable Objects </a:t>
+              <a:t>Laxmikant Kalé and PPL (UIUC) – Parallel Migratable Objects </a:t>
             </a:r>
             <a:endParaRPr lang="en-US" dirty="0"/>
           </a:p>
@@ -3821,9 +3821,9 @@
           <a:bodyPr/>
           <a:lstStyle/>
           <a:p>
-            <a:fld id="{34621E95-60A9-FF44-9869-513D9D7A859F}" type="datetime2">
-              <a:rPr lang="en-US" smtClean="0"/>
-              <a:t>Wednesday, September 10, 14</a:t>
+            <a:fld id="{6C9D793C-7144-C24B-B242-2ED57E892A7A}" type="datetime2">
+              <a:rPr lang="en-US" smtClean="0"/>
+              <a:t>Friday, September 12, 14</a:t>
             </a:fld>
             <a:endParaRPr lang="en-US"/>
           </a:p>
@@ -3847,7 +3847,7 @@
             <a:pPr algn="r"/>
             <a:r>
               <a:rPr lang="en-US" smtClean="0"/>
-              <a:t>Sanjay Kalé and PPL (UIUC) – Parallel Migratable Objects </a:t>
+              <a:t>Laxmikant Kalé and PPL (UIUC) – Parallel Migratable Objects </a:t>
             </a:r>
             <a:endParaRPr lang="en-US" dirty="0"/>
           </a:p>
@@ -3940,9 +3940,9 @@
           <a:bodyPr/>
           <a:lstStyle/>
           <a:p>
-            <a:fld id="{BD5AFB16-13FE-DF4A-8CB7-09756A57B2EA}" type="datetime2">
-              <a:rPr lang="en-US" smtClean="0"/>
-              <a:t>Wednesday, September 10, 14</a:t>
+            <a:fld id="{D02F6B7E-CE47-FA47-B66C-FFCFD89BE8E7}" type="datetime2">
+              <a:rPr lang="en-US" smtClean="0"/>
+              <a:t>Friday, September 12, 14</a:t>
             </a:fld>
             <a:endParaRPr lang="en-US" dirty="0"/>
           </a:p>
@@ -3966,7 +3966,7 @@
             <a:pPr algn="r"/>
             <a:r>
               <a:rPr lang="en-US" smtClean="0"/>
-              <a:t>Sanjay Kalé and PPL (UIUC) – Parallel Migratable Objects </a:t>
+              <a:t>Laxmikant Kalé and PPL (UIUC) – Parallel Migratable Objects </a:t>
             </a:r>
             <a:endParaRPr lang="en-US" dirty="0"/>
           </a:p>
@@ -4427,9 +4427,9 @@
           <a:bodyPr/>
           <a:lstStyle/>
           <a:p>
-            <a:fld id="{1BDEC705-8EA9-6C46-8E3B-2CAC7E2C0F7D}" type="datetime2">
-              <a:rPr lang="en-US" smtClean="0"/>
-              <a:t>Wednesday, September 10, 14</a:t>
+            <a:fld id="{16169D0C-4636-EC46-A2FE-ECFD17F1558E}" type="datetime2">
+              <a:rPr lang="en-US" smtClean="0"/>
+              <a:t>Friday, September 12, 14</a:t>
             </a:fld>
             <a:endParaRPr lang="en-US"/>
           </a:p>
@@ -4453,7 +4453,7 @@
             <a:pPr algn="r"/>
             <a:r>
               <a:rPr lang="en-US" smtClean="0"/>
-              <a:t>Sanjay Kalé and PPL (UIUC) – Parallel Migratable Objects </a:t>
+              <a:t>Laxmikant Kalé and PPL (UIUC) – Parallel Migratable Objects </a:t>
             </a:r>
             <a:endParaRPr lang="en-US" dirty="0"/>
           </a:p>
@@ -4758,9 +4758,9 @@
             </a:lvl1pPr>
           </a:lstStyle>
           <a:p>
-            <a:fld id="{BF613BD3-C5FD-9543-B738-679BF38D8C83}" type="datetime2">
-              <a:rPr lang="en-US" smtClean="0"/>
-              <a:t>Wednesday, September 10, 14</a:t>
+            <a:fld id="{38B56CC0-7D44-A646-9E65-AE8D515E8F38}" type="datetime2">
+              <a:rPr lang="en-US" smtClean="0"/>
+              <a:t>Friday, September 12, 14</a:t>
             </a:fld>
             <a:endParaRPr lang="en-US" dirty="0"/>
           </a:p>
@@ -4791,7 +4791,7 @@
             <a:pPr algn="r"/>
             <a:r>
               <a:rPr lang="en-US" smtClean="0"/>
-              <a:t>Sanjay Kalé and PPL (UIUC) – Parallel Migratable Objects </a:t>
+              <a:t>Laxmikant Kalé and PPL (UIUC) – Parallel Migratable Objects </a:t>
             </a:r>
             <a:endParaRPr lang="en-US" dirty="0"/>
           </a:p>
@@ -5237,9 +5237,9 @@
           <a:bodyPr/>
           <a:lstStyle/>
           <a:p>
-            <a:fld id="{4B5E4F0C-9A9C-5448-99FD-D30288B385C9}" type="datetime2">
-              <a:rPr lang="en-US" smtClean="0"/>
-              <a:t>Wednesday, September 10, 14</a:t>
+            <a:fld id="{C9394352-18EA-364A-AF37-49DE05A7BF1D}" type="datetime2">
+              <a:rPr lang="en-US" smtClean="0"/>
+              <a:t>Friday, September 12, 14</a:t>
             </a:fld>
             <a:endParaRPr lang="en-US"/>
           </a:p>
@@ -5263,7 +5263,7 @@
             <a:pPr algn="r"/>
             <a:r>
               <a:rPr lang="en-US" smtClean="0"/>
-              <a:t>Sanjay Kalé and PPL (UIUC) – Parallel Migratable Objects </a:t>
+              <a:t>Laxmikant Kalé and PPL (UIUC) – Parallel Migratable Objects </a:t>
             </a:r>
             <a:endParaRPr lang="en-US" dirty="0"/>
           </a:p>
@@ -5533,9 +5533,9 @@
             </a:lvl1pPr>
           </a:lstStyle>
           <a:p>
-            <a:fld id="{30545249-FD76-6844-B252-CAB05FC2DAA8}" type="datetime2">
-              <a:rPr lang="en-US" smtClean="0"/>
-              <a:t>Wednesday, September 10, 14</a:t>
+            <a:fld id="{0773ABAC-1075-FA4A-8E5A-E18E8EE531DB}" type="datetime2">
+              <a:rPr lang="en-US" smtClean="0"/>
+              <a:t>Friday, September 12, 14</a:t>
             </a:fld>
             <a:endParaRPr lang="en-US" dirty="0"/>
           </a:p>
@@ -5566,7 +5566,7 @@
             <a:pPr algn="r"/>
             <a:r>
               <a:rPr lang="en-US" smtClean="0"/>
-              <a:t>Sanjay Kalé and PPL (UIUC) – Parallel Migratable Objects </a:t>
+              <a:t>Laxmikant Kalé and PPL (UIUC) – Parallel Migratable Objects </a:t>
             </a:r>
             <a:endParaRPr lang="en-US" dirty="0"/>
           </a:p>
@@ -5776,9 +5776,9 @@
           <a:bodyPr/>
           <a:lstStyle/>
           <a:p>
-            <a:fld id="{CC859171-EEDD-0B48-A5C0-E7218AE20EA7}" type="datetime2">
-              <a:rPr lang="en-US" smtClean="0"/>
-              <a:t>Wednesday, September 10, 14</a:t>
+            <a:fld id="{C95E9CEE-3E94-1745-9E37-36179E2AB78C}" type="datetime2">
+              <a:rPr lang="en-US" smtClean="0"/>
+              <a:t>Friday, September 12, 14</a:t>
             </a:fld>
             <a:endParaRPr lang="en-US"/>
           </a:p>
@@ -5802,7 +5802,7 @@
             <a:pPr algn="r"/>
             <a:r>
               <a:rPr lang="en-US" smtClean="0"/>
-              <a:t>Sanjay Kalé and PPL (UIUC) – Parallel Migratable Objects </a:t>
+              <a:t>Laxmikant Kalé and PPL (UIUC) – Parallel Migratable Objects </a:t>
             </a:r>
             <a:endParaRPr lang="en-US" dirty="0"/>
           </a:p>
@@ -5872,9 +5872,9 @@
           <a:bodyPr/>
           <a:lstStyle/>
           <a:p>
-            <a:fld id="{C32F9216-0342-7440-9504-BD6C1382BF27}" type="datetime2">
-              <a:rPr lang="en-US" smtClean="0"/>
-              <a:t>Wednesday, September 10, 14</a:t>
+            <a:fld id="{AA23E74B-A520-584E-9759-3E3BF4FFFE3C}" type="datetime2">
+              <a:rPr lang="en-US" smtClean="0"/>
+              <a:t>Friday, September 12, 14</a:t>
             </a:fld>
             <a:endParaRPr lang="en-US"/>
           </a:p>
@@ -5898,7 +5898,7 @@
             <a:pPr algn="r"/>
             <a:r>
               <a:rPr lang="en-US" smtClean="0"/>
-              <a:t>Sanjay Kalé and PPL (UIUC) – Parallel Migratable Objects </a:t>
+              <a:t>Laxmikant Kalé and PPL (UIUC) – Parallel Migratable Objects </a:t>
             </a:r>
             <a:endParaRPr lang="en-US" dirty="0"/>
           </a:p>
@@ -6047,7 +6047,7 @@
           <a:p>
             <a:r>
               <a:rPr lang="en-US" smtClean="0"/>
-              <a:t>Sanjay Kalé and PPL (UIUC) – Parallel Migratable Objects </a:t>
+              <a:t>Laxmikant Kalé and PPL (UIUC) – Parallel Migratable Objects </a:t>
             </a:r>
             <a:endParaRPr lang="en-US" dirty="0"/>
           </a:p>
@@ -6187,9 +6187,9 @@
             </a:lvl1pPr>
           </a:lstStyle>
           <a:p>
-            <a:fld id="{D36DC8F2-AD63-E841-8C23-5DC3A41041BE}" type="datetime2">
-              <a:rPr lang="en-US" smtClean="0"/>
-              <a:t>Wednesday, September 10, 14</a:t>
+            <a:fld id="{64DC44C5-E526-FB4D-9012-C2D943DF3392}" type="datetime2">
+              <a:rPr lang="en-US" smtClean="0"/>
+              <a:t>Friday, September 12, 14</a:t>
             </a:fld>
             <a:endParaRPr lang="en-US" dirty="0"/>
           </a:p>
@@ -6258,7 +6258,7 @@
     <p:sldLayoutId id="2147483973" r:id="rId15"/>
     <p:sldLayoutId id="2147483972" r:id="rId16"/>
   </p:sldLayoutIdLst>
-  <p:hf hdr="0"/>
+  <p:hf hdr="0" dt="0"/>
   <p:txStyles>
     <p:titleStyle>
       <a:lvl1pPr algn="l" defTabSz="914400" rtl="0" eaLnBrk="1" latinLnBrk="0" hangingPunct="1">
@@ -6657,11 +6657,7 @@
             </a:pPr>
             <a:r>
               <a:rPr lang="en-US" dirty="0" smtClean="0"/>
-              <a:t>Hello </a:t>
-            </a:r>
-            <a:r>
-              <a:rPr lang="en-US" dirty="0" smtClean="0"/>
-              <a:t>World</a:t>
+              <a:t>Hello World</a:t>
             </a:r>
           </a:p>
           <a:p>
@@ -6765,11 +6761,7 @@
             </a:pPr>
             <a:r>
               <a:rPr lang="en-US" dirty="0" smtClean="0"/>
-              <a:t>Structured </a:t>
-            </a:r>
-            <a:r>
-              <a:rPr lang="en-US" dirty="0" smtClean="0"/>
-              <a:t>Dagger</a:t>
+              <a:t>Structured Dagger</a:t>
             </a:r>
           </a:p>
           <a:p>
@@ -6860,12 +6852,12 @@
       </p:sp>
       <p:sp>
         <p:nvSpPr>
-          <p:cNvPr id="4" name="Date Placeholder 3"/>
-          <p:cNvSpPr>
-            <a:spLocks noGrp="1"/>
-          </p:cNvSpPr>
-          <p:nvPr>
-            <p:ph type="dt" sz="half" idx="10"/>
+          <p:cNvPr id="5" name="Footer Placeholder 4"/>
+          <p:cNvSpPr>
+            <a:spLocks noGrp="1"/>
+          </p:cNvSpPr>
+          <p:nvPr>
+            <p:ph type="ftr" sz="quarter" idx="11"/>
           </p:nvPr>
         </p:nvSpPr>
         <p:spPr/>
@@ -6873,49 +6865,10 @@
           <a:bodyPr/>
           <a:lstStyle/>
           <a:p>
-            <a:fld id="{7DCE861A-EA6B-EA43-8AA5-DB216DBB40BC}" type="datetime2">
-              <a:rPr lang="en-US" smtClean="0"/>
-              <a:t>Wednesday, September 10, 14</a:t>
-            </a:fld>
-            <a:endParaRPr lang="en-US"/>
-          </a:p>
-        </p:txBody>
-      </p:sp>
-      <p:sp>
-        <p:nvSpPr>
-          <p:cNvPr id="5" name="Footer Placeholder 4"/>
-          <p:cNvSpPr>
-            <a:spLocks noGrp="1"/>
-          </p:cNvSpPr>
-          <p:nvPr>
-            <p:ph type="ftr" sz="quarter" idx="11"/>
-          </p:nvPr>
-        </p:nvSpPr>
-        <p:spPr/>
-        <p:txBody>
-          <a:bodyPr/>
-          <a:lstStyle/>
-          <a:p>
             <a:pPr algn="r"/>
             <a:r>
-              <a:rPr lang="en-US" b="0" dirty="0" smtClean="0"/>
-              <a:t>Sanjay </a:t>
-            </a:r>
-            <a:r>
-              <a:rPr lang="en-US" b="0" dirty="0" err="1" smtClean="0"/>
-              <a:t>Kalé</a:t>
-            </a:r>
-            <a:r>
-              <a:rPr lang="en-US" b="0" dirty="0" smtClean="0"/>
-              <a:t> and PPL (UIUC) – Parallel </a:t>
-            </a:r>
-            <a:r>
-              <a:rPr lang="en-US" b="0" dirty="0" err="1" smtClean="0"/>
-              <a:t>Migratable</a:t>
-            </a:r>
-            <a:r>
-              <a:rPr lang="en-US" b="0" dirty="0" smtClean="0"/>
-              <a:t> Objects </a:t>
+              <a:rPr lang="en-US" b="0" smtClean="0"/>
+              <a:t>Laxmikant Kalé and PPL (UIUC) – Parallel Migratable Objects </a:t>
             </a:r>
             <a:endParaRPr lang="en-US" b="0" dirty="0"/>
           </a:p>
@@ -7243,12 +7196,12 @@
       </p:sp>
       <p:sp>
         <p:nvSpPr>
-          <p:cNvPr id="4" name="Date Placeholder 3"/>
-          <p:cNvSpPr>
-            <a:spLocks noGrp="1"/>
-          </p:cNvSpPr>
-          <p:nvPr>
-            <p:ph type="dt" sz="half" idx="10"/>
+          <p:cNvPr id="5" name="Footer Placeholder 4"/>
+          <p:cNvSpPr>
+            <a:spLocks noGrp="1"/>
+          </p:cNvSpPr>
+          <p:nvPr>
+            <p:ph type="ftr" sz="quarter" idx="11"/>
           </p:nvPr>
         </p:nvSpPr>
         <p:spPr/>
@@ -7256,33 +7209,10 @@
           <a:bodyPr/>
           <a:lstStyle/>
           <a:p>
-            <a:fld id="{34621E95-60A9-FF44-9869-513D9D7A859F}" type="datetime2">
-              <a:rPr lang="en-US" smtClean="0"/>
-              <a:t>Wednesday, September 10, 14</a:t>
-            </a:fld>
-            <a:endParaRPr lang="en-US"/>
-          </a:p>
-        </p:txBody>
-      </p:sp>
-      <p:sp>
-        <p:nvSpPr>
-          <p:cNvPr id="5" name="Footer Placeholder 4"/>
-          <p:cNvSpPr>
-            <a:spLocks noGrp="1"/>
-          </p:cNvSpPr>
-          <p:nvPr>
-            <p:ph type="ftr" sz="quarter" idx="11"/>
-          </p:nvPr>
-        </p:nvSpPr>
-        <p:spPr/>
-        <p:txBody>
-          <a:bodyPr/>
-          <a:lstStyle/>
-          <a:p>
             <a:pPr algn="r"/>
             <a:r>
               <a:rPr lang="en-US" smtClean="0"/>
-              <a:t>Sanjay Kalé and PPL (UIUC) – Parallel Migratable Objects </a:t>
+              <a:t>Laxmikant Kalé and PPL (UIUC) – Parallel Migratable Objects </a:t>
             </a:r>
             <a:endParaRPr lang="en-US" dirty="0"/>
           </a:p>
@@ -7765,12 +7695,12 @@
       </p:pic>
       <p:sp>
         <p:nvSpPr>
-          <p:cNvPr id="4" name="Date Placeholder 3"/>
-          <p:cNvSpPr>
-            <a:spLocks noGrp="1"/>
-          </p:cNvSpPr>
-          <p:nvPr>
-            <p:ph type="dt" sz="half" idx="10"/>
+          <p:cNvPr id="5" name="Footer Placeholder 4"/>
+          <p:cNvSpPr>
+            <a:spLocks noGrp="1"/>
+          </p:cNvSpPr>
+          <p:nvPr>
+            <p:ph type="ftr" sz="quarter" idx="11"/>
           </p:nvPr>
         </p:nvSpPr>
         <p:spPr/>
@@ -7778,33 +7708,10 @@
           <a:bodyPr/>
           <a:lstStyle/>
           <a:p>
-            <a:fld id="{34621E95-60A9-FF44-9869-513D9D7A859F}" type="datetime2">
-              <a:rPr lang="en-US" smtClean="0"/>
-              <a:t>Wednesday, September 10, 14</a:t>
-            </a:fld>
-            <a:endParaRPr lang="en-US"/>
-          </a:p>
-        </p:txBody>
-      </p:sp>
-      <p:sp>
-        <p:nvSpPr>
-          <p:cNvPr id="5" name="Footer Placeholder 4"/>
-          <p:cNvSpPr>
-            <a:spLocks noGrp="1"/>
-          </p:cNvSpPr>
-          <p:nvPr>
-            <p:ph type="ftr" sz="quarter" idx="11"/>
-          </p:nvPr>
-        </p:nvSpPr>
-        <p:spPr/>
-        <p:txBody>
-          <a:bodyPr/>
-          <a:lstStyle/>
-          <a:p>
             <a:pPr algn="r"/>
             <a:r>
               <a:rPr lang="en-US" smtClean="0"/>
-              <a:t>Sanjay Kalé and PPL (UIUC) – Parallel Migratable Objects </a:t>
+              <a:t>Laxmikant Kalé and PPL (UIUC) – Parallel Migratable Objects </a:t>
             </a:r>
             <a:endParaRPr lang="en-US" dirty="0"/>
           </a:p>
@@ -8014,12 +7921,12 @@
       </p:pic>
       <p:sp>
         <p:nvSpPr>
-          <p:cNvPr id="5" name="Date Placeholder 4"/>
-          <p:cNvSpPr>
-            <a:spLocks noGrp="1"/>
-          </p:cNvSpPr>
-          <p:nvPr>
-            <p:ph type="dt" sz="half" idx="10"/>
+          <p:cNvPr id="6" name="Footer Placeholder 5"/>
+          <p:cNvSpPr>
+            <a:spLocks noGrp="1"/>
+          </p:cNvSpPr>
+          <p:nvPr>
+            <p:ph type="ftr" sz="quarter" idx="11"/>
           </p:nvPr>
         </p:nvSpPr>
         <p:spPr/>
@@ -8027,33 +7934,10 @@
           <a:bodyPr/>
           <a:lstStyle/>
           <a:p>
-            <a:fld id="{BF613BD3-C5FD-9543-B738-679BF38D8C83}" type="datetime2">
-              <a:rPr lang="en-US" smtClean="0"/>
-              <a:t>Wednesday, September 10, 14</a:t>
-            </a:fld>
-            <a:endParaRPr lang="en-US" dirty="0"/>
-          </a:p>
-        </p:txBody>
-      </p:sp>
-      <p:sp>
-        <p:nvSpPr>
-          <p:cNvPr id="6" name="Footer Placeholder 5"/>
-          <p:cNvSpPr>
-            <a:spLocks noGrp="1"/>
-          </p:cNvSpPr>
-          <p:nvPr>
-            <p:ph type="ftr" sz="quarter" idx="11"/>
-          </p:nvPr>
-        </p:nvSpPr>
-        <p:spPr/>
-        <p:txBody>
-          <a:bodyPr/>
-          <a:lstStyle/>
-          <a:p>
             <a:pPr algn="r"/>
             <a:r>
               <a:rPr lang="en-US" smtClean="0"/>
-              <a:t>Sanjay Kalé and PPL (UIUC) – Parallel Migratable Objects </a:t>
+              <a:t>Laxmikant Kalé and PPL (UIUC) – Parallel Migratable Objects </a:t>
             </a:r>
             <a:endParaRPr lang="en-US" dirty="0"/>
           </a:p>
@@ -8581,12 +8465,12 @@
       </p:pic>
       <p:sp>
         <p:nvSpPr>
-          <p:cNvPr id="5" name="Date Placeholder 4"/>
-          <p:cNvSpPr>
-            <a:spLocks noGrp="1"/>
-          </p:cNvSpPr>
-          <p:nvPr>
-            <p:ph type="dt" sz="half" idx="10"/>
+          <p:cNvPr id="6" name="Footer Placeholder 5"/>
+          <p:cNvSpPr>
+            <a:spLocks noGrp="1"/>
+          </p:cNvSpPr>
+          <p:nvPr>
+            <p:ph type="ftr" sz="quarter" idx="11"/>
           </p:nvPr>
         </p:nvSpPr>
         <p:spPr/>
@@ -8594,33 +8478,10 @@
           <a:bodyPr/>
           <a:lstStyle/>
           <a:p>
-            <a:fld id="{BF613BD3-C5FD-9543-B738-679BF38D8C83}" type="datetime2">
-              <a:rPr lang="en-US" smtClean="0"/>
-              <a:t>Wednesday, September 10, 14</a:t>
-            </a:fld>
-            <a:endParaRPr lang="en-US" dirty="0"/>
-          </a:p>
-        </p:txBody>
-      </p:sp>
-      <p:sp>
-        <p:nvSpPr>
-          <p:cNvPr id="6" name="Footer Placeholder 5"/>
-          <p:cNvSpPr>
-            <a:spLocks noGrp="1"/>
-          </p:cNvSpPr>
-          <p:nvPr>
-            <p:ph type="ftr" sz="quarter" idx="11"/>
-          </p:nvPr>
-        </p:nvSpPr>
-        <p:spPr/>
-        <p:txBody>
-          <a:bodyPr/>
-          <a:lstStyle/>
-          <a:p>
             <a:pPr algn="r"/>
             <a:r>
               <a:rPr lang="en-US" smtClean="0"/>
-              <a:t>Sanjay Kalé and PPL (UIUC) – Parallel Migratable Objects </a:t>
+              <a:t>Laxmikant Kalé and PPL (UIUC) – Parallel Migratable Objects </a:t>
             </a:r>
             <a:endParaRPr lang="en-US" dirty="0"/>
           </a:p>
@@ -8738,12 +8599,12 @@
       </p:sp>
       <p:sp>
         <p:nvSpPr>
-          <p:cNvPr id="4" name="Date Placeholder 3"/>
-          <p:cNvSpPr>
-            <a:spLocks noGrp="1"/>
-          </p:cNvSpPr>
-          <p:nvPr>
-            <p:ph type="dt" sz="half" idx="10"/>
+          <p:cNvPr id="5" name="Footer Placeholder 4"/>
+          <p:cNvSpPr>
+            <a:spLocks noGrp="1"/>
+          </p:cNvSpPr>
+          <p:nvPr>
+            <p:ph type="ftr" sz="quarter" idx="11"/>
           </p:nvPr>
         </p:nvSpPr>
         <p:spPr/>
@@ -8751,33 +8612,10 @@
           <a:bodyPr/>
           <a:lstStyle/>
           <a:p>
-            <a:fld id="{34621E95-60A9-FF44-9869-513D9D7A859F}" type="datetime2">
-              <a:rPr lang="en-US" smtClean="0"/>
-              <a:t>Wednesday, September 10, 14</a:t>
-            </a:fld>
-            <a:endParaRPr lang="en-US"/>
-          </a:p>
-        </p:txBody>
-      </p:sp>
-      <p:sp>
-        <p:nvSpPr>
-          <p:cNvPr id="5" name="Footer Placeholder 4"/>
-          <p:cNvSpPr>
-            <a:spLocks noGrp="1"/>
-          </p:cNvSpPr>
-          <p:nvPr>
-            <p:ph type="ftr" sz="quarter" idx="11"/>
-          </p:nvPr>
-        </p:nvSpPr>
-        <p:spPr/>
-        <p:txBody>
-          <a:bodyPr/>
-          <a:lstStyle/>
-          <a:p>
             <a:pPr algn="r"/>
             <a:r>
               <a:rPr lang="en-US" smtClean="0"/>
-              <a:t>Sanjay Kalé and PPL (UIUC) – Parallel Migratable Objects </a:t>
+              <a:t>Laxmikant Kalé and PPL (UIUC) – Parallel Migratable Objects </a:t>
             </a:r>
             <a:endParaRPr lang="en-US" dirty="0"/>
           </a:p>
@@ -9087,12 +8925,12 @@
       </p:sp>
       <p:sp>
         <p:nvSpPr>
-          <p:cNvPr id="4" name="Date Placeholder 3"/>
-          <p:cNvSpPr>
-            <a:spLocks noGrp="1"/>
-          </p:cNvSpPr>
-          <p:nvPr>
-            <p:ph type="dt" sz="half" idx="10"/>
+          <p:cNvPr id="5" name="Footer Placeholder 4"/>
+          <p:cNvSpPr>
+            <a:spLocks noGrp="1"/>
+          </p:cNvSpPr>
+          <p:nvPr>
+            <p:ph type="ftr" sz="quarter" idx="11"/>
           </p:nvPr>
         </p:nvSpPr>
         <p:spPr/>
@@ -9100,33 +8938,10 @@
           <a:bodyPr/>
           <a:lstStyle/>
           <a:p>
-            <a:fld id="{34621E95-60A9-FF44-9869-513D9D7A859F}" type="datetime2">
-              <a:rPr lang="en-US" smtClean="0"/>
-              <a:t>Wednesday, September 10, 14</a:t>
-            </a:fld>
-            <a:endParaRPr lang="en-US"/>
-          </a:p>
-        </p:txBody>
-      </p:sp>
-      <p:sp>
-        <p:nvSpPr>
-          <p:cNvPr id="5" name="Footer Placeholder 4"/>
-          <p:cNvSpPr>
-            <a:spLocks noGrp="1"/>
-          </p:cNvSpPr>
-          <p:nvPr>
-            <p:ph type="ftr" sz="quarter" idx="11"/>
-          </p:nvPr>
-        </p:nvSpPr>
-        <p:spPr/>
-        <p:txBody>
-          <a:bodyPr/>
-          <a:lstStyle/>
-          <a:p>
             <a:pPr algn="r"/>
             <a:r>
               <a:rPr lang="en-US" smtClean="0"/>
-              <a:t>Sanjay Kalé and PPL (UIUC) – Parallel Migratable Objects </a:t>
+              <a:t>Laxmikant Kalé and PPL (UIUC) – Parallel Migratable Objects </a:t>
             </a:r>
             <a:endParaRPr lang="en-US" dirty="0"/>
           </a:p>
@@ -9802,12 +9617,12 @@
       </p:sp>
       <p:sp>
         <p:nvSpPr>
-          <p:cNvPr id="5" name="Date Placeholder 4"/>
-          <p:cNvSpPr>
-            <a:spLocks noGrp="1"/>
-          </p:cNvSpPr>
-          <p:nvPr>
-            <p:ph type="dt" sz="half" idx="10"/>
+          <p:cNvPr id="6" name="Footer Placeholder 5"/>
+          <p:cNvSpPr>
+            <a:spLocks noGrp="1"/>
+          </p:cNvSpPr>
+          <p:nvPr>
+            <p:ph type="ftr" sz="quarter" idx="11"/>
           </p:nvPr>
         </p:nvSpPr>
         <p:spPr/>
@@ -9815,33 +9630,10 @@
           <a:bodyPr/>
           <a:lstStyle/>
           <a:p>
-            <a:fld id="{BF613BD3-C5FD-9543-B738-679BF38D8C83}" type="datetime2">
-              <a:rPr lang="en-US" smtClean="0"/>
-              <a:t>Wednesday, September 10, 14</a:t>
-            </a:fld>
-            <a:endParaRPr lang="en-US" dirty="0"/>
-          </a:p>
-        </p:txBody>
-      </p:sp>
-      <p:sp>
-        <p:nvSpPr>
-          <p:cNvPr id="6" name="Footer Placeholder 5"/>
-          <p:cNvSpPr>
-            <a:spLocks noGrp="1"/>
-          </p:cNvSpPr>
-          <p:nvPr>
-            <p:ph type="ftr" sz="quarter" idx="11"/>
-          </p:nvPr>
-        </p:nvSpPr>
-        <p:spPr/>
-        <p:txBody>
-          <a:bodyPr/>
-          <a:lstStyle/>
-          <a:p>
             <a:pPr algn="r"/>
             <a:r>
               <a:rPr lang="en-US" smtClean="0"/>
-              <a:t>Sanjay Kalé and PPL (UIUC) – Parallel Migratable Objects </a:t>
+              <a:t>Laxmikant Kalé and PPL (UIUC) – Parallel Migratable Objects </a:t>
             </a:r>
             <a:endParaRPr lang="en-US" dirty="0"/>
           </a:p>
@@ -10426,12 +10218,12 @@
       </p:sp>
       <p:sp>
         <p:nvSpPr>
-          <p:cNvPr id="5" name="Date Placeholder 4"/>
-          <p:cNvSpPr>
-            <a:spLocks noGrp="1"/>
-          </p:cNvSpPr>
-          <p:nvPr>
-            <p:ph type="dt" sz="half" idx="10"/>
+          <p:cNvPr id="6" name="Footer Placeholder 5"/>
+          <p:cNvSpPr>
+            <a:spLocks noGrp="1"/>
+          </p:cNvSpPr>
+          <p:nvPr>
+            <p:ph type="ftr" sz="quarter" idx="11"/>
           </p:nvPr>
         </p:nvSpPr>
         <p:spPr/>
@@ -10439,33 +10231,10 @@
           <a:bodyPr/>
           <a:lstStyle/>
           <a:p>
-            <a:fld id="{BF613BD3-C5FD-9543-B738-679BF38D8C83}" type="datetime2">
-              <a:rPr lang="en-US" smtClean="0"/>
-              <a:t>Wednesday, September 10, 14</a:t>
-            </a:fld>
-            <a:endParaRPr lang="en-US" dirty="0"/>
-          </a:p>
-        </p:txBody>
-      </p:sp>
-      <p:sp>
-        <p:nvSpPr>
-          <p:cNvPr id="6" name="Footer Placeholder 5"/>
-          <p:cNvSpPr>
-            <a:spLocks noGrp="1"/>
-          </p:cNvSpPr>
-          <p:nvPr>
-            <p:ph type="ftr" sz="quarter" idx="11"/>
-          </p:nvPr>
-        </p:nvSpPr>
-        <p:spPr/>
-        <p:txBody>
-          <a:bodyPr/>
-          <a:lstStyle/>
-          <a:p>
             <a:pPr algn="r"/>
             <a:r>
               <a:rPr lang="en-US" smtClean="0"/>
-              <a:t>Sanjay Kalé and PPL (UIUC) – Parallel Migratable Objects </a:t>
+              <a:t>Laxmikant Kalé and PPL (UIUC) – Parallel Migratable Objects </a:t>
             </a:r>
             <a:endParaRPr lang="en-US" dirty="0"/>
           </a:p>
@@ -10802,12 +10571,12 @@
       </p:sp>
       <p:sp>
         <p:nvSpPr>
-          <p:cNvPr id="4" name="Date Placeholder 3"/>
-          <p:cNvSpPr>
-            <a:spLocks noGrp="1"/>
-          </p:cNvSpPr>
-          <p:nvPr>
-            <p:ph type="dt" sz="half" idx="10"/>
+          <p:cNvPr id="5" name="Footer Placeholder 4"/>
+          <p:cNvSpPr>
+            <a:spLocks noGrp="1"/>
+          </p:cNvSpPr>
+          <p:nvPr>
+            <p:ph type="ftr" sz="quarter" idx="11"/>
           </p:nvPr>
         </p:nvSpPr>
         <p:spPr/>
@@ -10815,33 +10584,10 @@
           <a:bodyPr/>
           <a:lstStyle/>
           <a:p>
-            <a:fld id="{34621E95-60A9-FF44-9869-513D9D7A859F}" type="datetime2">
-              <a:rPr lang="en-US" smtClean="0"/>
-              <a:t>Wednesday, September 10, 14</a:t>
-            </a:fld>
-            <a:endParaRPr lang="en-US"/>
-          </a:p>
-        </p:txBody>
-      </p:sp>
-      <p:sp>
-        <p:nvSpPr>
-          <p:cNvPr id="5" name="Footer Placeholder 4"/>
-          <p:cNvSpPr>
-            <a:spLocks noGrp="1"/>
-          </p:cNvSpPr>
-          <p:nvPr>
-            <p:ph type="ftr" sz="quarter" idx="11"/>
-          </p:nvPr>
-        </p:nvSpPr>
-        <p:spPr/>
-        <p:txBody>
-          <a:bodyPr/>
-          <a:lstStyle/>
-          <a:p>
             <a:pPr algn="r"/>
             <a:r>
               <a:rPr lang="en-US" smtClean="0"/>
-              <a:t>Sanjay Kalé and PPL (UIUC) – Parallel Migratable Objects </a:t>
+              <a:t>Laxmikant Kalé and PPL (UIUC) – Parallel Migratable Objects </a:t>
             </a:r>
             <a:endParaRPr lang="en-US" dirty="0"/>
           </a:p>
@@ -10993,12 +10739,12 @@
       </p:pic>
       <p:sp>
         <p:nvSpPr>
-          <p:cNvPr id="4" name="Date Placeholder 3"/>
-          <p:cNvSpPr>
-            <a:spLocks noGrp="1"/>
-          </p:cNvSpPr>
-          <p:nvPr>
-            <p:ph type="dt" sz="half" idx="10"/>
+          <p:cNvPr id="5" name="Footer Placeholder 4"/>
+          <p:cNvSpPr>
+            <a:spLocks noGrp="1"/>
+          </p:cNvSpPr>
+          <p:nvPr>
+            <p:ph type="ftr" sz="quarter" idx="11"/>
           </p:nvPr>
         </p:nvSpPr>
         <p:spPr/>
@@ -11006,33 +10752,10 @@
           <a:bodyPr/>
           <a:lstStyle/>
           <a:p>
-            <a:fld id="{34621E95-60A9-FF44-9869-513D9D7A859F}" type="datetime2">
-              <a:rPr lang="en-US" smtClean="0"/>
-              <a:t>Wednesday, September 10, 14</a:t>
-            </a:fld>
-            <a:endParaRPr lang="en-US"/>
-          </a:p>
-        </p:txBody>
-      </p:sp>
-      <p:sp>
-        <p:nvSpPr>
-          <p:cNvPr id="5" name="Footer Placeholder 4"/>
-          <p:cNvSpPr>
-            <a:spLocks noGrp="1"/>
-          </p:cNvSpPr>
-          <p:nvPr>
-            <p:ph type="ftr" sz="quarter" idx="11"/>
-          </p:nvPr>
-        </p:nvSpPr>
-        <p:spPr/>
-        <p:txBody>
-          <a:bodyPr/>
-          <a:lstStyle/>
-          <a:p>
             <a:pPr algn="r"/>
             <a:r>
               <a:rPr lang="en-US" smtClean="0"/>
-              <a:t>Sanjay Kalé and PPL (UIUC) – Parallel Migratable Objects </a:t>
+              <a:t>Laxmikant Kalé and PPL (UIUC) – Parallel Migratable Objects </a:t>
             </a:r>
             <a:endParaRPr lang="en-US" dirty="0"/>
           </a:p>
@@ -11147,12 +10870,12 @@
       </p:sp>
       <p:sp>
         <p:nvSpPr>
-          <p:cNvPr id="4" name="Date Placeholder 3"/>
-          <p:cNvSpPr>
-            <a:spLocks noGrp="1"/>
-          </p:cNvSpPr>
-          <p:nvPr>
-            <p:ph type="dt" sz="half" idx="10"/>
+          <p:cNvPr id="5" name="Footer Placeholder 4"/>
+          <p:cNvSpPr>
+            <a:spLocks noGrp="1"/>
+          </p:cNvSpPr>
+          <p:nvPr>
+            <p:ph type="ftr" sz="quarter" idx="11"/>
           </p:nvPr>
         </p:nvSpPr>
         <p:spPr/>
@@ -11160,33 +10883,10 @@
           <a:bodyPr/>
           <a:lstStyle/>
           <a:p>
-            <a:fld id="{34621E95-60A9-FF44-9869-513D9D7A859F}" type="datetime2">
-              <a:rPr lang="en-US" smtClean="0"/>
-              <a:t>Wednesday, September 10, 14</a:t>
-            </a:fld>
-            <a:endParaRPr lang="en-US"/>
-          </a:p>
-        </p:txBody>
-      </p:sp>
-      <p:sp>
-        <p:nvSpPr>
-          <p:cNvPr id="5" name="Footer Placeholder 4"/>
-          <p:cNvSpPr>
-            <a:spLocks noGrp="1"/>
-          </p:cNvSpPr>
-          <p:nvPr>
-            <p:ph type="ftr" sz="quarter" idx="11"/>
-          </p:nvPr>
-        </p:nvSpPr>
-        <p:spPr/>
-        <p:txBody>
-          <a:bodyPr/>
-          <a:lstStyle/>
-          <a:p>
             <a:pPr algn="r"/>
             <a:r>
               <a:rPr lang="en-US" smtClean="0"/>
-              <a:t>Sanjay Kalé and PPL (UIUC) – Parallel Migratable Objects </a:t>
+              <a:t>Laxmikant Kalé and PPL (UIUC) – Parallel Migratable Objects </a:t>
             </a:r>
             <a:endParaRPr lang="en-US" dirty="0"/>
           </a:p>
@@ -11331,12 +11031,12 @@
       </p:sp>
       <p:sp>
         <p:nvSpPr>
-          <p:cNvPr id="4" name="Date Placeholder 3"/>
-          <p:cNvSpPr>
-            <a:spLocks noGrp="1"/>
-          </p:cNvSpPr>
-          <p:nvPr>
-            <p:ph type="dt" sz="half" idx="10"/>
+          <p:cNvPr id="5" name="Footer Placeholder 4"/>
+          <p:cNvSpPr>
+            <a:spLocks noGrp="1"/>
+          </p:cNvSpPr>
+          <p:nvPr>
+            <p:ph type="ftr" sz="quarter" idx="11"/>
           </p:nvPr>
         </p:nvSpPr>
         <p:spPr/>
@@ -11344,33 +11044,10 @@
           <a:bodyPr/>
           <a:lstStyle/>
           <a:p>
-            <a:fld id="{34621E95-60A9-FF44-9869-513D9D7A859F}" type="datetime2">
-              <a:rPr lang="en-US" smtClean="0"/>
-              <a:t>Wednesday, September 10, 14</a:t>
-            </a:fld>
-            <a:endParaRPr lang="en-US"/>
-          </a:p>
-        </p:txBody>
-      </p:sp>
-      <p:sp>
-        <p:nvSpPr>
-          <p:cNvPr id="5" name="Footer Placeholder 4"/>
-          <p:cNvSpPr>
-            <a:spLocks noGrp="1"/>
-          </p:cNvSpPr>
-          <p:nvPr>
-            <p:ph type="ftr" sz="quarter" idx="11"/>
-          </p:nvPr>
-        </p:nvSpPr>
-        <p:spPr/>
-        <p:txBody>
-          <a:bodyPr/>
-          <a:lstStyle/>
-          <a:p>
             <a:pPr algn="r"/>
             <a:r>
               <a:rPr lang="en-US" smtClean="0"/>
-              <a:t>Sanjay Kalé and PPL (UIUC) – Parallel Migratable Objects </a:t>
+              <a:t>Laxmikant Kalé and PPL (UIUC) – Parallel Migratable Objects </a:t>
             </a:r>
             <a:endParaRPr lang="en-US" dirty="0"/>
           </a:p>
